--- a/21. Análise do Ciclo de Vida.pptx
+++ b/21. Análise do Ciclo de Vida.pptx
@@ -6,6 +6,7 @@
   </p:sldMasterIdLst>
   <p:sldIdLst>
     <p:sldId id="257" r:id="rId2"/>
+    <p:sldId id="258" r:id="rId3"/>
   </p:sldIdLst>
   <p:sldSz cx="12192000" cy="6858000"/>
   <p:notesSz cx="6858000" cy="9144000"/>
@@ -115,6 +116,11 @@
 <file path=ppt/revisionInfo.xml><?xml version="1.0" encoding="utf-8"?>
 <p1510:revInfo xmlns:a="http://schemas.openxmlformats.org/drawingml/2006/main" xmlns:r="http://schemas.openxmlformats.org/officeDocument/2006/relationships" xmlns:p1510="http://schemas.microsoft.com/office/powerpoint/2015/10/main">
   <p1510:revLst>
+    <p1510:client id="{0F28DA8C-1D66-4275-8E49-F7FD2F3EA5CB}" v="52" dt="2020-10-21T22:25:59.456"/>
+    <p1510:client id="{143B1FCA-816D-4565-931B-17C389BF4B48}" v="17" dt="2020-10-22T02:31:38.001"/>
+    <p1510:client id="{367E0290-2CB2-4F52-935A-492CC6550918}" v="26" dt="2020-10-17T05:00:25.750"/>
+    <p1510:client id="{462CE6F6-E7DC-4A24-BEC3-1D8A42833910}" v="1" dt="2020-10-17T02:32:12.872"/>
+    <p1510:client id="{BDE5C0EC-ABA4-4EA5-9509-877FD89AA14E}" v="1" dt="2020-10-15T00:02:51.316"/>
     <p1510:client id="{F322518D-1650-479D-8304-16B53318AAC2}" v="18" dt="2020-09-26T14:16:18.704"/>
   </p1510:revLst>
 </p1510:revInfo>
@@ -122,6 +128,244 @@
 
 <file path=ppt/changesInfos/changesInfo1.xml><?xml version="1.0" encoding="utf-8"?>
 <pc:chgInfo xmlns:a="http://schemas.openxmlformats.org/drawingml/2006/main" xmlns:r="http://schemas.openxmlformats.org/officeDocument/2006/relationships" xmlns:ac="http://schemas.microsoft.com/office/drawing/2013/main/command" xmlns:pc="http://schemas.microsoft.com/office/powerpoint/2013/main/command">
+  <pc:docChgLst>
+    <pc:chgData name="Eduardo Marques" userId="b9dd18581288d1e4" providerId="Windows Live" clId="Web-{367E0290-2CB2-4F52-935A-492CC6550918}"/>
+    <pc:docChg chg="addSld modSld">
+      <pc:chgData name="Eduardo Marques" userId="b9dd18581288d1e4" providerId="Windows Live" clId="Web-{367E0290-2CB2-4F52-935A-492CC6550918}" dt="2020-10-17T05:00:25.750" v="25" actId="1076"/>
+      <pc:docMkLst>
+        <pc:docMk/>
+      </pc:docMkLst>
+      <pc:sldChg chg="addSp delSp modSp mod setBg">
+        <pc:chgData name="Eduardo Marques" userId="b9dd18581288d1e4" providerId="Windows Live" clId="Web-{367E0290-2CB2-4F52-935A-492CC6550918}" dt="2020-10-17T04:07:52.641" v="17" actId="14100"/>
+        <pc:sldMkLst>
+          <pc:docMk/>
+          <pc:sldMk cId="552348893" sldId="257"/>
+        </pc:sldMkLst>
+        <pc:spChg chg="add del mod">
+          <ac:chgData name="Eduardo Marques" userId="b9dd18581288d1e4" providerId="Windows Live" clId="Web-{367E0290-2CB2-4F52-935A-492CC6550918}" dt="2020-10-17T04:05:59.812" v="6"/>
+          <ac:spMkLst>
+            <pc:docMk/>
+            <pc:sldMk cId="552348893" sldId="257"/>
+            <ac:spMk id="3" creationId="{47D44056-0C04-4ECF-B4D1-44194E8AE299}"/>
+          </ac:spMkLst>
+        </pc:spChg>
+        <pc:spChg chg="add del">
+          <ac:chgData name="Eduardo Marques" userId="b9dd18581288d1e4" providerId="Windows Live" clId="Web-{367E0290-2CB2-4F52-935A-492CC6550918}" dt="2020-10-17T04:06:40.125" v="9"/>
+          <ac:spMkLst>
+            <pc:docMk/>
+            <pc:sldMk cId="552348893" sldId="257"/>
+            <ac:spMk id="7" creationId="{57845966-6EFC-468A-9CC7-BAB4B95854E7}"/>
+          </ac:spMkLst>
+        </pc:spChg>
+        <pc:spChg chg="add del">
+          <ac:chgData name="Eduardo Marques" userId="b9dd18581288d1e4" providerId="Windows Live" clId="Web-{367E0290-2CB2-4F52-935A-492CC6550918}" dt="2020-10-17T04:06:40.125" v="9"/>
+          <ac:spMkLst>
+            <pc:docMk/>
+            <pc:sldMk cId="552348893" sldId="257"/>
+            <ac:spMk id="11" creationId="{ADAD1991-FFD1-4E94-ABAB-7560D33008E4}"/>
+          </ac:spMkLst>
+        </pc:spChg>
+        <pc:picChg chg="add del mod">
+          <ac:chgData name="Eduardo Marques" userId="b9dd18581288d1e4" providerId="Windows Live" clId="Web-{367E0290-2CB2-4F52-935A-492CC6550918}" dt="2020-10-17T04:07:24.578" v="14"/>
+          <ac:picMkLst>
+            <pc:docMk/>
+            <pc:sldMk cId="552348893" sldId="257"/>
+            <ac:picMk id="2" creationId="{0C74AB94-9D74-44EB-A95B-155504A79ECB}"/>
+          </ac:picMkLst>
+        </pc:picChg>
+        <pc:picChg chg="del">
+          <ac:chgData name="Eduardo Marques" userId="b9dd18581288d1e4" providerId="Windows Live" clId="Web-{367E0290-2CB2-4F52-935A-492CC6550918}" dt="2020-10-17T04:05:38.937" v="0"/>
+          <ac:picMkLst>
+            <pc:docMk/>
+            <pc:sldMk cId="552348893" sldId="257"/>
+            <ac:picMk id="4" creationId="{6779E6A4-95E7-449F-AF6F-C97CB42D5C15}"/>
+          </ac:picMkLst>
+        </pc:picChg>
+        <pc:picChg chg="add mod">
+          <ac:chgData name="Eduardo Marques" userId="b9dd18581288d1e4" providerId="Windows Live" clId="Web-{367E0290-2CB2-4F52-935A-492CC6550918}" dt="2020-10-17T04:07:52.641" v="17" actId="14100"/>
+          <ac:picMkLst>
+            <pc:docMk/>
+            <pc:sldMk cId="552348893" sldId="257"/>
+            <ac:picMk id="5" creationId="{E49626C4-F2E8-4649-BA9E-A5857D73F8A7}"/>
+          </ac:picMkLst>
+        </pc:picChg>
+        <pc:picChg chg="add del">
+          <ac:chgData name="Eduardo Marques" userId="b9dd18581288d1e4" providerId="Windows Live" clId="Web-{367E0290-2CB2-4F52-935A-492CC6550918}" dt="2020-10-17T04:06:40.125" v="9"/>
+          <ac:picMkLst>
+            <pc:docMk/>
+            <pc:sldMk cId="552348893" sldId="257"/>
+            <ac:picMk id="9" creationId="{75554383-98AF-4A47-BB65-705FAAA4BE6A}"/>
+          </ac:picMkLst>
+        </pc:picChg>
+      </pc:sldChg>
+      <pc:sldChg chg="addSp delSp modSp new">
+        <pc:chgData name="Eduardo Marques" userId="b9dd18581288d1e4" providerId="Windows Live" clId="Web-{367E0290-2CB2-4F52-935A-492CC6550918}" dt="2020-10-17T05:00:25.750" v="25" actId="1076"/>
+        <pc:sldMkLst>
+          <pc:docMk/>
+          <pc:sldMk cId="3064581932" sldId="258"/>
+        </pc:sldMkLst>
+        <pc:spChg chg="del">
+          <ac:chgData name="Eduardo Marques" userId="b9dd18581288d1e4" providerId="Windows Live" clId="Web-{367E0290-2CB2-4F52-935A-492CC6550918}" dt="2020-10-17T04:15:21.785" v="19"/>
+          <ac:spMkLst>
+            <pc:docMk/>
+            <pc:sldMk cId="3064581932" sldId="258"/>
+            <ac:spMk id="2" creationId="{0A9A1908-A1FD-4ED5-9451-E8AB20073E74}"/>
+          </ac:spMkLst>
+        </pc:spChg>
+        <pc:spChg chg="del">
+          <ac:chgData name="Eduardo Marques" userId="b9dd18581288d1e4" providerId="Windows Live" clId="Web-{367E0290-2CB2-4F52-935A-492CC6550918}" dt="2020-10-17T04:15:23.801" v="20"/>
+          <ac:spMkLst>
+            <pc:docMk/>
+            <pc:sldMk cId="3064581932" sldId="258"/>
+            <ac:spMk id="3" creationId="{33C5756A-0845-4E8B-AED4-A46085157843}"/>
+          </ac:spMkLst>
+        </pc:spChg>
+        <pc:picChg chg="add mod">
+          <ac:chgData name="Eduardo Marques" userId="b9dd18581288d1e4" providerId="Windows Live" clId="Web-{367E0290-2CB2-4F52-935A-492CC6550918}" dt="2020-10-17T05:00:25.750" v="25" actId="1076"/>
+          <ac:picMkLst>
+            <pc:docMk/>
+            <pc:sldMk cId="3064581932" sldId="258"/>
+            <ac:picMk id="2" creationId="{A1DAE368-CBF4-406C-87F4-7E122D882023}"/>
+          </ac:picMkLst>
+        </pc:picChg>
+      </pc:sldChg>
+    </pc:docChg>
+  </pc:docChgLst>
+  <pc:docChgLst>
+    <pc:chgData name="Eduardo Marques" userId="b9dd18581288d1e4" providerId="Windows Live" clId="Web-{0F28DA8C-1D66-4275-8E49-F7FD2F3EA5CB}"/>
+    <pc:docChg chg="modSld">
+      <pc:chgData name="Eduardo Marques" userId="b9dd18581288d1e4" providerId="Windows Live" clId="Web-{0F28DA8C-1D66-4275-8E49-F7FD2F3EA5CB}" dt="2020-10-21T22:25:59.456" v="46" actId="1076"/>
+      <pc:docMkLst>
+        <pc:docMk/>
+      </pc:docMkLst>
+      <pc:sldChg chg="addSp delSp modSp">
+        <pc:chgData name="Eduardo Marques" userId="b9dd18581288d1e4" providerId="Windows Live" clId="Web-{0F28DA8C-1D66-4275-8E49-F7FD2F3EA5CB}" dt="2020-10-21T22:23:11.257" v="20" actId="1076"/>
+        <pc:sldMkLst>
+          <pc:docMk/>
+          <pc:sldMk cId="552348893" sldId="257"/>
+        </pc:sldMkLst>
+        <pc:spChg chg="add del mod">
+          <ac:chgData name="Eduardo Marques" userId="b9dd18581288d1e4" providerId="Windows Live" clId="Web-{0F28DA8C-1D66-4275-8E49-F7FD2F3EA5CB}" dt="2020-10-21T22:22:36.396" v="12"/>
+          <ac:spMkLst>
+            <pc:docMk/>
+            <pc:sldMk cId="552348893" sldId="257"/>
+            <ac:spMk id="4" creationId="{3F9C4278-B164-4E83-B780-B1700CB9CE0A}"/>
+          </ac:spMkLst>
+        </pc:spChg>
+        <pc:picChg chg="add del mod">
+          <ac:chgData name="Eduardo Marques" userId="b9dd18581288d1e4" providerId="Windows Live" clId="Web-{0F28DA8C-1D66-4275-8E49-F7FD2F3EA5CB}" dt="2020-10-21T22:22:32.942" v="11"/>
+          <ac:picMkLst>
+            <pc:docMk/>
+            <pc:sldMk cId="552348893" sldId="257"/>
+            <ac:picMk id="2" creationId="{F06CA3CD-A05E-41C0-8E56-767FDAC065CF}"/>
+          </ac:picMkLst>
+        </pc:picChg>
+        <pc:picChg chg="add mod">
+          <ac:chgData name="Eduardo Marques" userId="b9dd18581288d1e4" providerId="Windows Live" clId="Web-{0F28DA8C-1D66-4275-8E49-F7FD2F3EA5CB}" dt="2020-10-21T22:23:11.257" v="20" actId="1076"/>
+          <ac:picMkLst>
+            <pc:docMk/>
+            <pc:sldMk cId="552348893" sldId="257"/>
+            <ac:picMk id="3" creationId="{CFE057DF-C50F-4A25-862A-B5A4BD442965}"/>
+          </ac:picMkLst>
+        </pc:picChg>
+        <pc:picChg chg="del">
+          <ac:chgData name="Eduardo Marques" userId="b9dd18581288d1e4" providerId="Windows Live" clId="Web-{0F28DA8C-1D66-4275-8E49-F7FD2F3EA5CB}" dt="2020-10-21T22:19:41.931" v="0"/>
+          <ac:picMkLst>
+            <pc:docMk/>
+            <pc:sldMk cId="552348893" sldId="257"/>
+            <ac:picMk id="5" creationId="{E49626C4-F2E8-4649-BA9E-A5857D73F8A7}"/>
+          </ac:picMkLst>
+        </pc:picChg>
+        <pc:picChg chg="add mod ord">
+          <ac:chgData name="Eduardo Marques" userId="b9dd18581288d1e4" providerId="Windows Live" clId="Web-{0F28DA8C-1D66-4275-8E49-F7FD2F3EA5CB}" dt="2020-10-21T22:23:06.444" v="19"/>
+          <ac:picMkLst>
+            <pc:docMk/>
+            <pc:sldMk cId="552348893" sldId="257"/>
+            <ac:picMk id="6" creationId="{EE0F5384-397D-4B69-9B48-F46D9DDC7161}"/>
+          </ac:picMkLst>
+        </pc:picChg>
+      </pc:sldChg>
+      <pc:sldChg chg="addSp delSp modSp">
+        <pc:chgData name="Eduardo Marques" userId="b9dd18581288d1e4" providerId="Windows Live" clId="Web-{0F28DA8C-1D66-4275-8E49-F7FD2F3EA5CB}" dt="2020-10-21T22:25:59.456" v="46" actId="1076"/>
+        <pc:sldMkLst>
+          <pc:docMk/>
+          <pc:sldMk cId="3064581932" sldId="258"/>
+        </pc:sldMkLst>
+        <pc:spChg chg="add mod">
+          <ac:chgData name="Eduardo Marques" userId="b9dd18581288d1e4" providerId="Windows Live" clId="Web-{0F28DA8C-1D66-4275-8E49-F7FD2F3EA5CB}" dt="2020-10-21T22:24:21.434" v="23"/>
+          <ac:spMkLst>
+            <pc:docMk/>
+            <pc:sldMk cId="3064581932" sldId="258"/>
+            <ac:spMk id="4" creationId="{AE649A58-AB66-439D-8CFF-07CCE40DEA93}"/>
+          </ac:spMkLst>
+        </pc:spChg>
+        <pc:spChg chg="add del mod">
+          <ac:chgData name="Eduardo Marques" userId="b9dd18581288d1e4" providerId="Windows Live" clId="Web-{0F28DA8C-1D66-4275-8E49-F7FD2F3EA5CB}" dt="2020-10-21T22:25:30.844" v="39"/>
+          <ac:spMkLst>
+            <pc:docMk/>
+            <pc:sldMk cId="3064581932" sldId="258"/>
+            <ac:spMk id="6" creationId="{42D64CEC-D804-45A9-AD6D-F00F7562185C}"/>
+          </ac:spMkLst>
+        </pc:spChg>
+        <pc:picChg chg="mod">
+          <ac:chgData name="Eduardo Marques" userId="b9dd18581288d1e4" providerId="Windows Live" clId="Web-{0F28DA8C-1D66-4275-8E49-F7FD2F3EA5CB}" dt="2020-10-21T22:25:59.456" v="46" actId="1076"/>
+          <ac:picMkLst>
+            <pc:docMk/>
+            <pc:sldMk cId="3064581932" sldId="258"/>
+            <ac:picMk id="2" creationId="{A1DAE368-CBF4-406C-87F4-7E122D882023}"/>
+          </ac:picMkLst>
+        </pc:picChg>
+        <pc:picChg chg="add mod">
+          <ac:chgData name="Eduardo Marques" userId="b9dd18581288d1e4" providerId="Windows Live" clId="Web-{0F28DA8C-1D66-4275-8E49-F7FD2F3EA5CB}" dt="2020-10-21T22:25:52.158" v="45" actId="1076"/>
+          <ac:picMkLst>
+            <pc:docMk/>
+            <pc:sldMk cId="3064581932" sldId="258"/>
+            <ac:picMk id="3" creationId="{558026C9-E888-4594-8595-3272844304AF}"/>
+          </ac:picMkLst>
+        </pc:picChg>
+        <pc:picChg chg="add del mod">
+          <ac:chgData name="Eduardo Marques" userId="b9dd18581288d1e4" providerId="Windows Live" clId="Web-{0F28DA8C-1D66-4275-8E49-F7FD2F3EA5CB}" dt="2020-10-21T22:25:30.844" v="40"/>
+          <ac:picMkLst>
+            <pc:docMk/>
+            <pc:sldMk cId="3064581932" sldId="258"/>
+            <ac:picMk id="5" creationId="{2C660BDC-F33D-49E4-A79F-FF8BDEE1F27F}"/>
+          </ac:picMkLst>
+        </pc:picChg>
+      </pc:sldChg>
+    </pc:docChg>
+  </pc:docChgLst>
+  <pc:docChgLst>
+    <pc:chgData name="Eduardo Marques" userId="b9dd18581288d1e4" providerId="Windows Live" clId="Web-{143B1FCA-816D-4565-931B-17C389BF4B48}"/>
+    <pc:docChg chg="modSld">
+      <pc:chgData name="Eduardo Marques" userId="b9dd18581288d1e4" providerId="Windows Live" clId="Web-{143B1FCA-816D-4565-931B-17C389BF4B48}" dt="2020-10-22T02:31:38.001" v="15" actId="1076"/>
+      <pc:docMkLst>
+        <pc:docMk/>
+      </pc:docMkLst>
+      <pc:sldChg chg="addSp delSp modSp">
+        <pc:chgData name="Eduardo Marques" userId="b9dd18581288d1e4" providerId="Windows Live" clId="Web-{143B1FCA-816D-4565-931B-17C389BF4B48}" dt="2020-10-22T02:31:38.001" v="15" actId="1076"/>
+        <pc:sldMkLst>
+          <pc:docMk/>
+          <pc:sldMk cId="3064581932" sldId="258"/>
+        </pc:sldMkLst>
+        <pc:picChg chg="del">
+          <ac:chgData name="Eduardo Marques" userId="b9dd18581288d1e4" providerId="Windows Live" clId="Web-{143B1FCA-816D-4565-931B-17C389BF4B48}" dt="2020-10-22T02:30:09.714" v="0"/>
+          <ac:picMkLst>
+            <pc:docMk/>
+            <pc:sldMk cId="3064581932" sldId="258"/>
+            <ac:picMk id="2" creationId="{A1DAE368-CBF4-406C-87F4-7E122D882023}"/>
+          </ac:picMkLst>
+        </pc:picChg>
+        <pc:picChg chg="add mod">
+          <ac:chgData name="Eduardo Marques" userId="b9dd18581288d1e4" providerId="Windows Live" clId="Web-{143B1FCA-816D-4565-931B-17C389BF4B48}" dt="2020-10-22T02:31:38.001" v="15" actId="1076"/>
+          <ac:picMkLst>
+            <pc:docMk/>
+            <pc:sldMk cId="3064581932" sldId="258"/>
+            <ac:picMk id="5" creationId="{FAA4417C-5842-40A1-9F54-A4EEFD85A2CD}"/>
+          </ac:picMkLst>
+        </pc:picChg>
+      </pc:sldChg>
+    </pc:docChg>
+  </pc:docChgLst>
   <pc:docChgLst>
     <pc:chgData name="Eduardo Marques" userId="b9dd18581288d1e4" providerId="Windows Live" clId="Web-{F322518D-1650-479D-8304-16B53318AAC2}"/>
     <pc:docChg chg="addSld delSld modSld">
@@ -169,6 +413,54 @@
       </pc:sldChg>
     </pc:docChg>
   </pc:docChgLst>
+  <pc:docChgLst>
+    <pc:chgData clId="Web-{462CE6F6-E7DC-4A24-BEC3-1D8A42833910}"/>
+    <pc:docChg chg="modSld">
+      <pc:chgData name="" userId="" providerId="" clId="Web-{462CE6F6-E7DC-4A24-BEC3-1D8A42833910}" dt="2020-10-17T02:32:12.872" v="0" actId="1076"/>
+      <pc:docMkLst>
+        <pc:docMk/>
+      </pc:docMkLst>
+      <pc:sldChg chg="modSp">
+        <pc:chgData name="" userId="" providerId="" clId="Web-{462CE6F6-E7DC-4A24-BEC3-1D8A42833910}" dt="2020-10-17T02:32:12.872" v="0" actId="1076"/>
+        <pc:sldMkLst>
+          <pc:docMk/>
+          <pc:sldMk cId="552348893" sldId="257"/>
+        </pc:sldMkLst>
+        <pc:picChg chg="mod">
+          <ac:chgData name="" userId="" providerId="" clId="Web-{462CE6F6-E7DC-4A24-BEC3-1D8A42833910}" dt="2020-10-17T02:32:12.872" v="0" actId="1076"/>
+          <ac:picMkLst>
+            <pc:docMk/>
+            <pc:sldMk cId="552348893" sldId="257"/>
+            <ac:picMk id="4" creationId="{6779E6A4-95E7-449F-AF6F-C97CB42D5C15}"/>
+          </ac:picMkLst>
+        </pc:picChg>
+      </pc:sldChg>
+    </pc:docChg>
+  </pc:docChgLst>
+  <pc:docChgLst>
+    <pc:chgData name="Usuário Convidado" providerId="Windows Live" clId="Web-{BDE5C0EC-ABA4-4EA5-9509-877FD89AA14E}"/>
+    <pc:docChg chg="modSld">
+      <pc:chgData name="Usuário Convidado" userId="" providerId="Windows Live" clId="Web-{BDE5C0EC-ABA4-4EA5-9509-877FD89AA14E}" dt="2020-10-15T00:02:51.316" v="0" actId="14100"/>
+      <pc:docMkLst>
+        <pc:docMk/>
+      </pc:docMkLst>
+      <pc:sldChg chg="modSp">
+        <pc:chgData name="Usuário Convidado" userId="" providerId="Windows Live" clId="Web-{BDE5C0EC-ABA4-4EA5-9509-877FD89AA14E}" dt="2020-10-15T00:02:51.316" v="0" actId="14100"/>
+        <pc:sldMkLst>
+          <pc:docMk/>
+          <pc:sldMk cId="552348893" sldId="257"/>
+        </pc:sldMkLst>
+        <pc:picChg chg="mod">
+          <ac:chgData name="Usuário Convidado" userId="" providerId="Windows Live" clId="Web-{BDE5C0EC-ABA4-4EA5-9509-877FD89AA14E}" dt="2020-10-15T00:02:51.316" v="0" actId="14100"/>
+          <ac:picMkLst>
+            <pc:docMk/>
+            <pc:sldMk cId="552348893" sldId="257"/>
+            <ac:picMk id="4" creationId="{6779E6A4-95E7-449F-AF6F-C97CB42D5C15}"/>
+          </ac:picMkLst>
+        </pc:picChg>
+      </pc:sldChg>
+    </pc:docChg>
+  </pc:docChgLst>
 </pc:chgInfo>
 </file>
 
@@ -303,7 +595,7 @@
           <a:p>
             <a:fld id="{F0E51C7C-CEA3-4CAA-BE4B-344879E7C377}" type="datetimeFigureOut">
               <a:rPr lang="de-DE" smtClean="0"/>
-              <a:t>26.09.2020</a:t>
+              <a:t>21.10.2020</a:t>
             </a:fld>
             <a:endParaRPr lang="de-DE"/>
           </a:p>
@@ -345,7 +637,7 @@
           <a:p>
             <a:fld id="{754FE2FE-B55E-4328-8F5C-2CEB8781A47B}" type="slidenum">
               <a:rPr lang="de-DE" smtClean="0"/>
-              <a:t>‹#›</a:t>
+              <a:t>‹nº›</a:t>
             </a:fld>
             <a:endParaRPr lang="de-DE"/>
           </a:p>
@@ -473,7 +765,7 @@
           <a:p>
             <a:fld id="{F0E51C7C-CEA3-4CAA-BE4B-344879E7C377}" type="datetimeFigureOut">
               <a:rPr lang="de-DE" smtClean="0"/>
-              <a:t>26.09.2020</a:t>
+              <a:t>21.10.2020</a:t>
             </a:fld>
             <a:endParaRPr lang="de-DE"/>
           </a:p>
@@ -515,7 +807,7 @@
           <a:p>
             <a:fld id="{754FE2FE-B55E-4328-8F5C-2CEB8781A47B}" type="slidenum">
               <a:rPr lang="de-DE" smtClean="0"/>
-              <a:t>‹#›</a:t>
+              <a:t>‹nº›</a:t>
             </a:fld>
             <a:endParaRPr lang="de-DE"/>
           </a:p>
@@ -653,7 +945,7 @@
           <a:p>
             <a:fld id="{F0E51C7C-CEA3-4CAA-BE4B-344879E7C377}" type="datetimeFigureOut">
               <a:rPr lang="de-DE" smtClean="0"/>
-              <a:t>26.09.2020</a:t>
+              <a:t>21.10.2020</a:t>
             </a:fld>
             <a:endParaRPr lang="de-DE"/>
           </a:p>
@@ -695,7 +987,7 @@
           <a:p>
             <a:fld id="{754FE2FE-B55E-4328-8F5C-2CEB8781A47B}" type="slidenum">
               <a:rPr lang="de-DE" smtClean="0"/>
-              <a:t>‹#›</a:t>
+              <a:t>‹nº›</a:t>
             </a:fld>
             <a:endParaRPr lang="de-DE"/>
           </a:p>
@@ -823,7 +1115,7 @@
           <a:p>
             <a:fld id="{F0E51C7C-CEA3-4CAA-BE4B-344879E7C377}" type="datetimeFigureOut">
               <a:rPr lang="de-DE" smtClean="0"/>
-              <a:t>26.09.2020</a:t>
+              <a:t>21.10.2020</a:t>
             </a:fld>
             <a:endParaRPr lang="de-DE"/>
           </a:p>
@@ -865,7 +1157,7 @@
           <a:p>
             <a:fld id="{754FE2FE-B55E-4328-8F5C-2CEB8781A47B}" type="slidenum">
               <a:rPr lang="de-DE" smtClean="0"/>
-              <a:t>‹#›</a:t>
+              <a:t>‹nº›</a:t>
             </a:fld>
             <a:endParaRPr lang="de-DE"/>
           </a:p>
@@ -1069,7 +1361,7 @@
           <a:p>
             <a:fld id="{F0E51C7C-CEA3-4CAA-BE4B-344879E7C377}" type="datetimeFigureOut">
               <a:rPr lang="de-DE" smtClean="0"/>
-              <a:t>26.09.2020</a:t>
+              <a:t>21.10.2020</a:t>
             </a:fld>
             <a:endParaRPr lang="de-DE"/>
           </a:p>
@@ -1111,7 +1403,7 @@
           <a:p>
             <a:fld id="{754FE2FE-B55E-4328-8F5C-2CEB8781A47B}" type="slidenum">
               <a:rPr lang="de-DE" smtClean="0"/>
-              <a:t>‹#›</a:t>
+              <a:t>‹nº›</a:t>
             </a:fld>
             <a:endParaRPr lang="de-DE"/>
           </a:p>
@@ -1301,7 +1593,7 @@
           <a:p>
             <a:fld id="{F0E51C7C-CEA3-4CAA-BE4B-344879E7C377}" type="datetimeFigureOut">
               <a:rPr lang="de-DE" smtClean="0"/>
-              <a:t>26.09.2020</a:t>
+              <a:t>21.10.2020</a:t>
             </a:fld>
             <a:endParaRPr lang="de-DE"/>
           </a:p>
@@ -1343,7 +1635,7 @@
           <a:p>
             <a:fld id="{754FE2FE-B55E-4328-8F5C-2CEB8781A47B}" type="slidenum">
               <a:rPr lang="de-DE" smtClean="0"/>
-              <a:t>‹#›</a:t>
+              <a:t>‹nº›</a:t>
             </a:fld>
             <a:endParaRPr lang="de-DE"/>
           </a:p>
@@ -1668,7 +1960,7 @@
           <a:p>
             <a:fld id="{F0E51C7C-CEA3-4CAA-BE4B-344879E7C377}" type="datetimeFigureOut">
               <a:rPr lang="de-DE" smtClean="0"/>
-              <a:t>26.09.2020</a:t>
+              <a:t>21.10.2020</a:t>
             </a:fld>
             <a:endParaRPr lang="de-DE"/>
           </a:p>
@@ -1710,7 +2002,7 @@
           <a:p>
             <a:fld id="{754FE2FE-B55E-4328-8F5C-2CEB8781A47B}" type="slidenum">
               <a:rPr lang="de-DE" smtClean="0"/>
-              <a:t>‹#›</a:t>
+              <a:t>‹nº›</a:t>
             </a:fld>
             <a:endParaRPr lang="de-DE"/>
           </a:p>
@@ -1786,7 +2078,7 @@
           <a:p>
             <a:fld id="{F0E51C7C-CEA3-4CAA-BE4B-344879E7C377}" type="datetimeFigureOut">
               <a:rPr lang="de-DE" smtClean="0"/>
-              <a:t>26.09.2020</a:t>
+              <a:t>21.10.2020</a:t>
             </a:fld>
             <a:endParaRPr lang="de-DE"/>
           </a:p>
@@ -1828,7 +2120,7 @@
           <a:p>
             <a:fld id="{754FE2FE-B55E-4328-8F5C-2CEB8781A47B}" type="slidenum">
               <a:rPr lang="de-DE" smtClean="0"/>
-              <a:t>‹#›</a:t>
+              <a:t>‹nº›</a:t>
             </a:fld>
             <a:endParaRPr lang="de-DE"/>
           </a:p>
@@ -1881,7 +2173,7 @@
           <a:p>
             <a:fld id="{F0E51C7C-CEA3-4CAA-BE4B-344879E7C377}" type="datetimeFigureOut">
               <a:rPr lang="de-DE" smtClean="0"/>
-              <a:t>26.09.2020</a:t>
+              <a:t>21.10.2020</a:t>
             </a:fld>
             <a:endParaRPr lang="de-DE"/>
           </a:p>
@@ -1923,7 +2215,7 @@
           <a:p>
             <a:fld id="{754FE2FE-B55E-4328-8F5C-2CEB8781A47B}" type="slidenum">
               <a:rPr lang="de-DE" smtClean="0"/>
-              <a:t>‹#›</a:t>
+              <a:t>‹nº›</a:t>
             </a:fld>
             <a:endParaRPr lang="de-DE"/>
           </a:p>
@@ -2158,7 +2450,7 @@
           <a:p>
             <a:fld id="{F0E51C7C-CEA3-4CAA-BE4B-344879E7C377}" type="datetimeFigureOut">
               <a:rPr lang="de-DE" smtClean="0"/>
-              <a:t>26.09.2020</a:t>
+              <a:t>21.10.2020</a:t>
             </a:fld>
             <a:endParaRPr lang="de-DE"/>
           </a:p>
@@ -2200,7 +2492,7 @@
           <a:p>
             <a:fld id="{754FE2FE-B55E-4328-8F5C-2CEB8781A47B}" type="slidenum">
               <a:rPr lang="de-DE" smtClean="0"/>
-              <a:t>‹#›</a:t>
+              <a:t>‹nº›</a:t>
             </a:fld>
             <a:endParaRPr lang="de-DE"/>
           </a:p>
@@ -2411,7 +2703,7 @@
           <a:p>
             <a:fld id="{F0E51C7C-CEA3-4CAA-BE4B-344879E7C377}" type="datetimeFigureOut">
               <a:rPr lang="de-DE" smtClean="0"/>
-              <a:t>26.09.2020</a:t>
+              <a:t>21.10.2020</a:t>
             </a:fld>
             <a:endParaRPr lang="de-DE"/>
           </a:p>
@@ -2453,7 +2745,7 @@
           <a:p>
             <a:fld id="{754FE2FE-B55E-4328-8F5C-2CEB8781A47B}" type="slidenum">
               <a:rPr lang="de-DE" smtClean="0"/>
-              <a:t>‹#›</a:t>
+              <a:t>‹nº›</a:t>
             </a:fld>
             <a:endParaRPr lang="de-DE"/>
           </a:p>
@@ -2624,7 +2916,7 @@
           <a:p>
             <a:fld id="{F0E51C7C-CEA3-4CAA-BE4B-344879E7C377}" type="datetimeFigureOut">
               <a:rPr lang="de-DE" smtClean="0"/>
-              <a:t>26.09.2020</a:t>
+              <a:t>21.10.2020</a:t>
             </a:fld>
             <a:endParaRPr lang="de-DE"/>
           </a:p>
@@ -2702,7 +2994,7 @@
           <a:p>
             <a:fld id="{754FE2FE-B55E-4328-8F5C-2CEB8781A47B}" type="slidenum">
               <a:rPr lang="de-DE" smtClean="0"/>
-              <a:t>‹#›</a:t>
+              <a:t>‹nº›</a:t>
             </a:fld>
             <a:endParaRPr lang="de-DE"/>
           </a:p>
@@ -3015,6 +3307,14 @@
 <file path=ppt/slides/slide1.xml><?xml version="1.0" encoding="utf-8"?>
 <p:sld xmlns:a="http://schemas.openxmlformats.org/drawingml/2006/main" xmlns:r="http://schemas.openxmlformats.org/officeDocument/2006/relationships" xmlns:p="http://schemas.openxmlformats.org/presentationml/2006/main">
   <p:cSld>
+    <p:bg>
+      <p:bgPr>
+        <a:solidFill>
+          <a:schemeClr val="bg1"/>
+        </a:solidFill>
+        <a:effectLst/>
+      </p:bgPr>
+    </p:bg>
     <p:spTree>
       <p:nvGrpSpPr>
         <p:cNvPr id="1" name=""/>
@@ -3031,10 +3331,10 @@
       </p:grpSpPr>
       <p:pic>
         <p:nvPicPr>
-          <p:cNvPr id="4" name="Picture 4" descr="Diagram&#10;&#10;Description automatically generated">
+          <p:cNvPr id="6" name="Imagem 6" descr="Diagrama&#10;&#10;Descrição gerada automaticamente">
             <a:extLst>
               <a:ext uri="{FF2B5EF4-FFF2-40B4-BE49-F238E27FC236}">
-                <a16:creationId xmlns:a16="http://schemas.microsoft.com/office/drawing/2014/main" id="{6779E6A4-95E7-449F-AF6F-C97CB42D5C15}"/>
+                <a16:creationId xmlns:a16="http://schemas.microsoft.com/office/drawing/2014/main" id="{EE0F5384-397D-4B69-9B48-F46D9DDC7161}"/>
               </a:ext>
             </a:extLst>
           </p:cNvPr>
@@ -3051,8 +3351,38 @@
         </p:blipFill>
         <p:spPr>
           <a:xfrm>
-            <a:off x="232611" y="222014"/>
-            <a:ext cx="11726778" cy="6413971"/>
+            <a:off x="1276350" y="3739"/>
+            <a:ext cx="9639300" cy="6840997"/>
+          </a:xfrm>
+          <a:prstGeom prst="rect">
+            <a:avLst/>
+          </a:prstGeom>
+        </p:spPr>
+      </p:pic>
+      <p:pic>
+        <p:nvPicPr>
+          <p:cNvPr id="3" name="Imagem 3" descr="Uma imagem contendo Texto&#10;&#10;Descrição gerada automaticamente">
+            <a:extLst>
+              <a:ext uri="{FF2B5EF4-FFF2-40B4-BE49-F238E27FC236}">
+                <a16:creationId xmlns:a16="http://schemas.microsoft.com/office/drawing/2014/main" id="{CFE057DF-C50F-4A25-862A-B5A4BD442965}"/>
+              </a:ext>
+            </a:extLst>
+          </p:cNvPr>
+          <p:cNvPicPr>
+            <a:picLocks noChangeAspect="1"/>
+          </p:cNvPicPr>
+          <p:nvPr/>
+        </p:nvPicPr>
+        <p:blipFill>
+          <a:blip r:embed="rId3"/>
+          <a:stretch>
+            <a:fillRect/>
+          </a:stretch>
+        </p:blipFill>
+        <p:spPr>
+          <a:xfrm>
+            <a:off x="4762" y="4762"/>
+            <a:ext cx="5019675" cy="904875"/>
           </a:xfrm>
           <a:prstGeom prst="rect">
             <a:avLst/>
@@ -3063,6 +3393,131 @@
     <p:extLst>
       <p:ext uri="{BB962C8B-B14F-4D97-AF65-F5344CB8AC3E}">
         <p14:creationId xmlns:p14="http://schemas.microsoft.com/office/powerpoint/2010/main" val="552348893"/>
+      </p:ext>
+    </p:extLst>
+  </p:cSld>
+  <p:clrMapOvr>
+    <a:masterClrMapping/>
+  </p:clrMapOvr>
+</p:sld>
+</file>
+
+<file path=ppt/slides/slide2.xml><?xml version="1.0" encoding="utf-8"?>
+<p:sld xmlns:a="http://schemas.openxmlformats.org/drawingml/2006/main" xmlns:r="http://schemas.openxmlformats.org/officeDocument/2006/relationships" xmlns:p="http://schemas.openxmlformats.org/presentationml/2006/main">
+  <p:cSld>
+    <p:spTree>
+      <p:nvGrpSpPr>
+        <p:cNvPr id="1" name=""/>
+        <p:cNvGrpSpPr/>
+        <p:nvPr/>
+      </p:nvGrpSpPr>
+      <p:grpSpPr>
+        <a:xfrm>
+          <a:off x="0" y="0"/>
+          <a:ext cx="0" cy="0"/>
+          <a:chOff x="0" y="0"/>
+          <a:chExt cx="0" cy="0"/>
+        </a:xfrm>
+      </p:grpSpPr>
+      <p:pic>
+        <p:nvPicPr>
+          <p:cNvPr id="3" name="Imagem 3" descr="Uma imagem contendo Texto&#10;&#10;Descrição gerada automaticamente">
+            <a:extLst>
+              <a:ext uri="{FF2B5EF4-FFF2-40B4-BE49-F238E27FC236}">
+                <a16:creationId xmlns:a16="http://schemas.microsoft.com/office/drawing/2014/main" id="{558026C9-E888-4594-8595-3272844304AF}"/>
+              </a:ext>
+            </a:extLst>
+          </p:cNvPr>
+          <p:cNvPicPr>
+            <a:picLocks noChangeAspect="1"/>
+          </p:cNvPicPr>
+          <p:nvPr/>
+        </p:nvPicPr>
+        <p:blipFill>
+          <a:blip r:embed="rId2"/>
+          <a:stretch>
+            <a:fillRect/>
+          </a:stretch>
+        </p:blipFill>
+        <p:spPr>
+          <a:xfrm>
+            <a:off x="119062" y="4762"/>
+            <a:ext cx="3343275" cy="914400"/>
+          </a:xfrm>
+          <a:prstGeom prst="rect">
+            <a:avLst/>
+          </a:prstGeom>
+        </p:spPr>
+      </p:pic>
+      <p:sp>
+        <p:nvSpPr>
+          <p:cNvPr id="4" name="CaixaDeTexto 3">
+            <a:extLst>
+              <a:ext uri="{FF2B5EF4-FFF2-40B4-BE49-F238E27FC236}">
+                <a16:creationId xmlns:a16="http://schemas.microsoft.com/office/drawing/2014/main" id="{AE649A58-AB66-439D-8CFF-07CCE40DEA93}"/>
+              </a:ext>
+            </a:extLst>
+          </p:cNvPr>
+          <p:cNvSpPr txBox="1"/>
+          <p:nvPr/>
+        </p:nvSpPr>
+        <p:spPr>
+          <a:xfrm>
+            <a:off x="4724400" y="3200400"/>
+            <a:ext cx="2743200" cy="369332"/>
+          </a:xfrm>
+          <a:prstGeom prst="rect">
+            <a:avLst/>
+          </a:prstGeom>
+          <a:noFill/>
+        </p:spPr>
+        <p:txBody>
+          <a:bodyPr rot="0" spcFirstLastPara="0" vertOverflow="overflow" horzOverflow="overflow" vert="horz" wrap="square" lIns="91440" tIns="45720" rIns="91440" bIns="45720" numCol="1" spcCol="0" rtlCol="0" fromWordArt="0" anchor="t" anchorCtr="0" forceAA="0" compatLnSpc="1">
+            <a:prstTxWarp prst="textNoShape">
+              <a:avLst/>
+            </a:prstTxWarp>
+            <a:spAutoFit/>
+          </a:bodyPr>
+          <a:lstStyle/>
+          <a:p>
+            <a:endParaRPr lang="pt-BR"/>
+          </a:p>
+        </p:txBody>
+      </p:sp>
+      <p:pic>
+        <p:nvPicPr>
+          <p:cNvPr id="5" name="Imagem 5" descr="Diagrama&#10;&#10;Descrição gerada automaticamente">
+            <a:extLst>
+              <a:ext uri="{FF2B5EF4-FFF2-40B4-BE49-F238E27FC236}">
+                <a16:creationId xmlns:a16="http://schemas.microsoft.com/office/drawing/2014/main" id="{FAA4417C-5842-40A1-9F54-A4EEFD85A2CD}"/>
+              </a:ext>
+            </a:extLst>
+          </p:cNvPr>
+          <p:cNvPicPr>
+            <a:picLocks noChangeAspect="1"/>
+          </p:cNvPicPr>
+          <p:nvPr/>
+        </p:nvPicPr>
+        <p:blipFill>
+          <a:blip r:embed="rId3"/>
+          <a:stretch>
+            <a:fillRect/>
+          </a:stretch>
+        </p:blipFill>
+        <p:spPr>
+          <a:xfrm>
+            <a:off x="4105275" y="242781"/>
+            <a:ext cx="5953125" cy="6362914"/>
+          </a:xfrm>
+          <a:prstGeom prst="rect">
+            <a:avLst/>
+          </a:prstGeom>
+        </p:spPr>
+      </p:pic>
+    </p:spTree>
+    <p:extLst>
+      <p:ext uri="{BB962C8B-B14F-4D97-AF65-F5344CB8AC3E}">
+        <p14:creationId xmlns:p14="http://schemas.microsoft.com/office/powerpoint/2010/main" val="3064581932"/>
       </p:ext>
     </p:extLst>
   </p:cSld>

--- a/21. Análise do Ciclo de Vida.pptx
+++ b/21. Análise do Ciclo de Vida.pptx
@@ -5,8 +5,7 @@
     <p:sldMasterId id="2147483648" r:id="rId1"/>
   </p:sldMasterIdLst>
   <p:sldIdLst>
-    <p:sldId id="257" r:id="rId2"/>
-    <p:sldId id="258" r:id="rId3"/>
+    <p:sldId id="258" r:id="rId2"/>
   </p:sldIdLst>
   <p:sldSz cx="12192000" cy="6858000"/>
   <p:notesSz cx="6858000" cy="9144000"/>
@@ -118,8 +117,10 @@
   <p1510:revLst>
     <p1510:client id="{0F28DA8C-1D66-4275-8E49-F7FD2F3EA5CB}" v="52" dt="2020-10-21T22:25:59.456"/>
     <p1510:client id="{143B1FCA-816D-4565-931B-17C389BF4B48}" v="17" dt="2020-10-22T02:31:38.001"/>
+    <p1510:client id="{1A0ABC27-9F26-4AAB-B581-DB14B80DDF1F}" v="13" dt="2020-11-12T00:17:56.711"/>
     <p1510:client id="{367E0290-2CB2-4F52-935A-492CC6550918}" v="26" dt="2020-10-17T05:00:25.750"/>
     <p1510:client id="{462CE6F6-E7DC-4A24-BEC3-1D8A42833910}" v="1" dt="2020-10-17T02:32:12.872"/>
+    <p1510:client id="{8C08EB73-0F10-4FE9-BE2F-A3A37427731F}" v="17" dt="2020-11-07T05:57:36.064"/>
     <p1510:client id="{BDE5C0EC-ABA4-4EA5-9509-877FD89AA14E}" v="1" dt="2020-10-15T00:02:51.316"/>
     <p1510:client id="{F322518D-1650-479D-8304-16B53318AAC2}" v="18" dt="2020-09-26T14:16:18.704"/>
   </p1510:revLst>
@@ -438,6 +439,46 @@
     </pc:docChg>
   </pc:docChgLst>
   <pc:docChgLst>
+    <pc:chgData name="Eduardo Marques" userId="b9dd18581288d1e4" providerId="Windows Live" clId="Web-{1A0ABC27-9F26-4AAB-B581-DB14B80DDF1F}"/>
+    <pc:docChg chg="modSld">
+      <pc:chgData name="Eduardo Marques" userId="b9dd18581288d1e4" providerId="Windows Live" clId="Web-{1A0ABC27-9F26-4AAB-B581-DB14B80DDF1F}" dt="2020-11-12T00:17:56.711" v="11" actId="1076"/>
+      <pc:docMkLst>
+        <pc:docMk/>
+      </pc:docMkLst>
+      <pc:sldChg chg="addSp delSp modSp">
+        <pc:chgData name="Eduardo Marques" userId="b9dd18581288d1e4" providerId="Windows Live" clId="Web-{1A0ABC27-9F26-4AAB-B581-DB14B80DDF1F}" dt="2020-11-12T00:17:56.711" v="11" actId="1076"/>
+        <pc:sldMkLst>
+          <pc:docMk/>
+          <pc:sldMk cId="3064581932" sldId="258"/>
+        </pc:sldMkLst>
+        <pc:picChg chg="del">
+          <ac:chgData name="Eduardo Marques" userId="b9dd18581288d1e4" providerId="Windows Live" clId="Web-{1A0ABC27-9F26-4AAB-B581-DB14B80DDF1F}" dt="2020-11-12T00:16:54.975" v="0"/>
+          <ac:picMkLst>
+            <pc:docMk/>
+            <pc:sldMk cId="3064581932" sldId="258"/>
+            <ac:picMk id="2" creationId="{08726916-98F0-4E06-8D82-E6658AEB9BCC}"/>
+          </ac:picMkLst>
+        </pc:picChg>
+        <pc:picChg chg="mod">
+          <ac:chgData name="Eduardo Marques" userId="b9dd18581288d1e4" providerId="Windows Live" clId="Web-{1A0ABC27-9F26-4AAB-B581-DB14B80DDF1F}" dt="2020-11-12T00:17:56.711" v="11" actId="1076"/>
+          <ac:picMkLst>
+            <pc:docMk/>
+            <pc:sldMk cId="3064581932" sldId="258"/>
+            <ac:picMk id="3" creationId="{558026C9-E888-4594-8595-3272844304AF}"/>
+          </ac:picMkLst>
+        </pc:picChg>
+        <pc:picChg chg="add mod ord">
+          <ac:chgData name="Eduardo Marques" userId="b9dd18581288d1e4" providerId="Windows Live" clId="Web-{1A0ABC27-9F26-4AAB-B581-DB14B80DDF1F}" dt="2020-11-12T00:17:37.023" v="9"/>
+          <ac:picMkLst>
+            <pc:docMk/>
+            <pc:sldMk cId="3064581932" sldId="258"/>
+            <ac:picMk id="4" creationId="{28A6E99A-204A-4599-9C93-7EF766DDFA1F}"/>
+          </ac:picMkLst>
+        </pc:picChg>
+      </pc:sldChg>
+    </pc:docChg>
+  </pc:docChgLst>
+  <pc:docChgLst>
     <pc:chgData name="Usuário Convidado" providerId="Windows Live" clId="Web-{BDE5C0EC-ABA4-4EA5-9509-877FD89AA14E}"/>
     <pc:docChg chg="modSld">
       <pc:chgData name="Usuário Convidado" userId="" providerId="Windows Live" clId="Web-{BDE5C0EC-ABA4-4EA5-9509-877FD89AA14E}" dt="2020-10-15T00:02:51.316" v="0" actId="14100"/>
@@ -456,6 +497,61 @@
             <pc:docMk/>
             <pc:sldMk cId="552348893" sldId="257"/>
             <ac:picMk id="4" creationId="{6779E6A4-95E7-449F-AF6F-C97CB42D5C15}"/>
+          </ac:picMkLst>
+        </pc:picChg>
+      </pc:sldChg>
+    </pc:docChg>
+  </pc:docChgLst>
+  <pc:docChgLst>
+    <pc:chgData name="Eduardo Marques" userId="b9dd18581288d1e4" providerId="Windows Live" clId="Web-{8C08EB73-0F10-4FE9-BE2F-A3A37427731F}"/>
+    <pc:docChg chg="delSld modSld">
+      <pc:chgData name="Eduardo Marques" userId="b9dd18581288d1e4" providerId="Windows Live" clId="Web-{8C08EB73-0F10-4FE9-BE2F-A3A37427731F}" dt="2020-11-07T05:57:36.064" v="15"/>
+      <pc:docMkLst>
+        <pc:docMk/>
+      </pc:docMkLst>
+      <pc:sldChg chg="del">
+        <pc:chgData name="Eduardo Marques" userId="b9dd18581288d1e4" providerId="Windows Live" clId="Web-{8C08EB73-0F10-4FE9-BE2F-A3A37427731F}" dt="2020-11-07T05:57:36.064" v="15"/>
+        <pc:sldMkLst>
+          <pc:docMk/>
+          <pc:sldMk cId="552348893" sldId="257"/>
+        </pc:sldMkLst>
+      </pc:sldChg>
+      <pc:sldChg chg="addSp delSp modSp">
+        <pc:chgData name="Eduardo Marques" userId="b9dd18581288d1e4" providerId="Windows Live" clId="Web-{8C08EB73-0F10-4FE9-BE2F-A3A37427731F}" dt="2020-11-07T05:57:19.266" v="14" actId="1076"/>
+        <pc:sldMkLst>
+          <pc:docMk/>
+          <pc:sldMk cId="3064581932" sldId="258"/>
+        </pc:sldMkLst>
+        <pc:spChg chg="del">
+          <ac:chgData name="Eduardo Marques" userId="b9dd18581288d1e4" providerId="Windows Live" clId="Web-{8C08EB73-0F10-4FE9-BE2F-A3A37427731F}" dt="2020-11-07T05:56:11.249" v="1"/>
+          <ac:spMkLst>
+            <pc:docMk/>
+            <pc:sldMk cId="3064581932" sldId="258"/>
+            <ac:spMk id="4" creationId="{AE649A58-AB66-439D-8CFF-07CCE40DEA93}"/>
+          </ac:spMkLst>
+        </pc:spChg>
+        <pc:picChg chg="add mod ord">
+          <ac:chgData name="Eduardo Marques" userId="b9dd18581288d1e4" providerId="Windows Live" clId="Web-{8C08EB73-0F10-4FE9-BE2F-A3A37427731F}" dt="2020-11-07T05:57:19.266" v="14" actId="1076"/>
+          <ac:picMkLst>
+            <pc:docMk/>
+            <pc:sldMk cId="3064581932" sldId="258"/>
+            <ac:picMk id="2" creationId="{08726916-98F0-4E06-8D82-E6658AEB9BCC}"/>
+          </ac:picMkLst>
+        </pc:picChg>
+        <pc:picChg chg="mod">
+          <ac:chgData name="Eduardo Marques" userId="b9dd18581288d1e4" providerId="Windows Live" clId="Web-{8C08EB73-0F10-4FE9-BE2F-A3A37427731F}" dt="2020-11-07T05:57:00.500" v="8" actId="1076"/>
+          <ac:picMkLst>
+            <pc:docMk/>
+            <pc:sldMk cId="3064581932" sldId="258"/>
+            <ac:picMk id="3" creationId="{558026C9-E888-4594-8595-3272844304AF}"/>
+          </ac:picMkLst>
+        </pc:picChg>
+        <pc:picChg chg="del">
+          <ac:chgData name="Eduardo Marques" userId="b9dd18581288d1e4" providerId="Windows Live" clId="Web-{8C08EB73-0F10-4FE9-BE2F-A3A37427731F}" dt="2020-11-07T05:56:06.983" v="0"/>
+          <ac:picMkLst>
+            <pc:docMk/>
+            <pc:sldMk cId="3064581932" sldId="258"/>
+            <ac:picMk id="5" creationId="{FAA4417C-5842-40A1-9F54-A4EEFD85A2CD}"/>
           </ac:picMkLst>
         </pc:picChg>
       </pc:sldChg>
@@ -595,7 +691,7 @@
           <a:p>
             <a:fld id="{F0E51C7C-CEA3-4CAA-BE4B-344879E7C377}" type="datetimeFigureOut">
               <a:rPr lang="de-DE" smtClean="0"/>
-              <a:t>21.10.2020</a:t>
+              <a:t>11.11.2020</a:t>
             </a:fld>
             <a:endParaRPr lang="de-DE"/>
           </a:p>
@@ -637,7 +733,7 @@
           <a:p>
             <a:fld id="{754FE2FE-B55E-4328-8F5C-2CEB8781A47B}" type="slidenum">
               <a:rPr lang="de-DE" smtClean="0"/>
-              <a:t>‹nº›</a:t>
+              <a:t>‹#›</a:t>
             </a:fld>
             <a:endParaRPr lang="de-DE"/>
           </a:p>
@@ -765,7 +861,7 @@
           <a:p>
             <a:fld id="{F0E51C7C-CEA3-4CAA-BE4B-344879E7C377}" type="datetimeFigureOut">
               <a:rPr lang="de-DE" smtClean="0"/>
-              <a:t>21.10.2020</a:t>
+              <a:t>11.11.2020</a:t>
             </a:fld>
             <a:endParaRPr lang="de-DE"/>
           </a:p>
@@ -807,7 +903,7 @@
           <a:p>
             <a:fld id="{754FE2FE-B55E-4328-8F5C-2CEB8781A47B}" type="slidenum">
               <a:rPr lang="de-DE" smtClean="0"/>
-              <a:t>‹nº›</a:t>
+              <a:t>‹#›</a:t>
             </a:fld>
             <a:endParaRPr lang="de-DE"/>
           </a:p>
@@ -945,7 +1041,7 @@
           <a:p>
             <a:fld id="{F0E51C7C-CEA3-4CAA-BE4B-344879E7C377}" type="datetimeFigureOut">
               <a:rPr lang="de-DE" smtClean="0"/>
-              <a:t>21.10.2020</a:t>
+              <a:t>11.11.2020</a:t>
             </a:fld>
             <a:endParaRPr lang="de-DE"/>
           </a:p>
@@ -987,7 +1083,7 @@
           <a:p>
             <a:fld id="{754FE2FE-B55E-4328-8F5C-2CEB8781A47B}" type="slidenum">
               <a:rPr lang="de-DE" smtClean="0"/>
-              <a:t>‹nº›</a:t>
+              <a:t>‹#›</a:t>
             </a:fld>
             <a:endParaRPr lang="de-DE"/>
           </a:p>
@@ -1115,7 +1211,7 @@
           <a:p>
             <a:fld id="{F0E51C7C-CEA3-4CAA-BE4B-344879E7C377}" type="datetimeFigureOut">
               <a:rPr lang="de-DE" smtClean="0"/>
-              <a:t>21.10.2020</a:t>
+              <a:t>11.11.2020</a:t>
             </a:fld>
             <a:endParaRPr lang="de-DE"/>
           </a:p>
@@ -1157,7 +1253,7 @@
           <a:p>
             <a:fld id="{754FE2FE-B55E-4328-8F5C-2CEB8781A47B}" type="slidenum">
               <a:rPr lang="de-DE" smtClean="0"/>
-              <a:t>‹nº›</a:t>
+              <a:t>‹#›</a:t>
             </a:fld>
             <a:endParaRPr lang="de-DE"/>
           </a:p>
@@ -1361,7 +1457,7 @@
           <a:p>
             <a:fld id="{F0E51C7C-CEA3-4CAA-BE4B-344879E7C377}" type="datetimeFigureOut">
               <a:rPr lang="de-DE" smtClean="0"/>
-              <a:t>21.10.2020</a:t>
+              <a:t>11.11.2020</a:t>
             </a:fld>
             <a:endParaRPr lang="de-DE"/>
           </a:p>
@@ -1403,7 +1499,7 @@
           <a:p>
             <a:fld id="{754FE2FE-B55E-4328-8F5C-2CEB8781A47B}" type="slidenum">
               <a:rPr lang="de-DE" smtClean="0"/>
-              <a:t>‹nº›</a:t>
+              <a:t>‹#›</a:t>
             </a:fld>
             <a:endParaRPr lang="de-DE"/>
           </a:p>
@@ -1593,7 +1689,7 @@
           <a:p>
             <a:fld id="{F0E51C7C-CEA3-4CAA-BE4B-344879E7C377}" type="datetimeFigureOut">
               <a:rPr lang="de-DE" smtClean="0"/>
-              <a:t>21.10.2020</a:t>
+              <a:t>11.11.2020</a:t>
             </a:fld>
             <a:endParaRPr lang="de-DE"/>
           </a:p>
@@ -1635,7 +1731,7 @@
           <a:p>
             <a:fld id="{754FE2FE-B55E-4328-8F5C-2CEB8781A47B}" type="slidenum">
               <a:rPr lang="de-DE" smtClean="0"/>
-              <a:t>‹nº›</a:t>
+              <a:t>‹#›</a:t>
             </a:fld>
             <a:endParaRPr lang="de-DE"/>
           </a:p>
@@ -1960,7 +2056,7 @@
           <a:p>
             <a:fld id="{F0E51C7C-CEA3-4CAA-BE4B-344879E7C377}" type="datetimeFigureOut">
               <a:rPr lang="de-DE" smtClean="0"/>
-              <a:t>21.10.2020</a:t>
+              <a:t>11.11.2020</a:t>
             </a:fld>
             <a:endParaRPr lang="de-DE"/>
           </a:p>
@@ -2002,7 +2098,7 @@
           <a:p>
             <a:fld id="{754FE2FE-B55E-4328-8F5C-2CEB8781A47B}" type="slidenum">
               <a:rPr lang="de-DE" smtClean="0"/>
-              <a:t>‹nº›</a:t>
+              <a:t>‹#›</a:t>
             </a:fld>
             <a:endParaRPr lang="de-DE"/>
           </a:p>
@@ -2078,7 +2174,7 @@
           <a:p>
             <a:fld id="{F0E51C7C-CEA3-4CAA-BE4B-344879E7C377}" type="datetimeFigureOut">
               <a:rPr lang="de-DE" smtClean="0"/>
-              <a:t>21.10.2020</a:t>
+              <a:t>11.11.2020</a:t>
             </a:fld>
             <a:endParaRPr lang="de-DE"/>
           </a:p>
@@ -2120,7 +2216,7 @@
           <a:p>
             <a:fld id="{754FE2FE-B55E-4328-8F5C-2CEB8781A47B}" type="slidenum">
               <a:rPr lang="de-DE" smtClean="0"/>
-              <a:t>‹nº›</a:t>
+              <a:t>‹#›</a:t>
             </a:fld>
             <a:endParaRPr lang="de-DE"/>
           </a:p>
@@ -2173,7 +2269,7 @@
           <a:p>
             <a:fld id="{F0E51C7C-CEA3-4CAA-BE4B-344879E7C377}" type="datetimeFigureOut">
               <a:rPr lang="de-DE" smtClean="0"/>
-              <a:t>21.10.2020</a:t>
+              <a:t>11.11.2020</a:t>
             </a:fld>
             <a:endParaRPr lang="de-DE"/>
           </a:p>
@@ -2215,7 +2311,7 @@
           <a:p>
             <a:fld id="{754FE2FE-B55E-4328-8F5C-2CEB8781A47B}" type="slidenum">
               <a:rPr lang="de-DE" smtClean="0"/>
-              <a:t>‹nº›</a:t>
+              <a:t>‹#›</a:t>
             </a:fld>
             <a:endParaRPr lang="de-DE"/>
           </a:p>
@@ -2450,7 +2546,7 @@
           <a:p>
             <a:fld id="{F0E51C7C-CEA3-4CAA-BE4B-344879E7C377}" type="datetimeFigureOut">
               <a:rPr lang="de-DE" smtClean="0"/>
-              <a:t>21.10.2020</a:t>
+              <a:t>11.11.2020</a:t>
             </a:fld>
             <a:endParaRPr lang="de-DE"/>
           </a:p>
@@ -2492,7 +2588,7 @@
           <a:p>
             <a:fld id="{754FE2FE-B55E-4328-8F5C-2CEB8781A47B}" type="slidenum">
               <a:rPr lang="de-DE" smtClean="0"/>
-              <a:t>‹nº›</a:t>
+              <a:t>‹#›</a:t>
             </a:fld>
             <a:endParaRPr lang="de-DE"/>
           </a:p>
@@ -2703,7 +2799,7 @@
           <a:p>
             <a:fld id="{F0E51C7C-CEA3-4CAA-BE4B-344879E7C377}" type="datetimeFigureOut">
               <a:rPr lang="de-DE" smtClean="0"/>
-              <a:t>21.10.2020</a:t>
+              <a:t>11.11.2020</a:t>
             </a:fld>
             <a:endParaRPr lang="de-DE"/>
           </a:p>
@@ -2745,7 +2841,7 @@
           <a:p>
             <a:fld id="{754FE2FE-B55E-4328-8F5C-2CEB8781A47B}" type="slidenum">
               <a:rPr lang="de-DE" smtClean="0"/>
-              <a:t>‹nº›</a:t>
+              <a:t>‹#›</a:t>
             </a:fld>
             <a:endParaRPr lang="de-DE"/>
           </a:p>
@@ -2916,7 +3012,7 @@
           <a:p>
             <a:fld id="{F0E51C7C-CEA3-4CAA-BE4B-344879E7C377}" type="datetimeFigureOut">
               <a:rPr lang="de-DE" smtClean="0"/>
-              <a:t>21.10.2020</a:t>
+              <a:t>11.11.2020</a:t>
             </a:fld>
             <a:endParaRPr lang="de-DE"/>
           </a:p>
@@ -2994,7 +3090,7 @@
           <a:p>
             <a:fld id="{754FE2FE-B55E-4328-8F5C-2CEB8781A47B}" type="slidenum">
               <a:rPr lang="de-DE" smtClean="0"/>
-              <a:t>‹nº›</a:t>
+              <a:t>‹#›</a:t>
             </a:fld>
             <a:endParaRPr lang="de-DE"/>
           </a:p>
@@ -3307,14 +3403,6 @@
 <file path=ppt/slides/slide1.xml><?xml version="1.0" encoding="utf-8"?>
 <p:sld xmlns:a="http://schemas.openxmlformats.org/drawingml/2006/main" xmlns:r="http://schemas.openxmlformats.org/officeDocument/2006/relationships" xmlns:p="http://schemas.openxmlformats.org/presentationml/2006/main">
   <p:cSld>
-    <p:bg>
-      <p:bgPr>
-        <a:solidFill>
-          <a:schemeClr val="bg1"/>
-        </a:solidFill>
-        <a:effectLst/>
-      </p:bgPr>
-    </p:bg>
     <p:spTree>
       <p:nvGrpSpPr>
         <p:cNvPr id="1" name=""/>
@@ -3331,10 +3419,10 @@
       </p:grpSpPr>
       <p:pic>
         <p:nvPicPr>
-          <p:cNvPr id="6" name="Imagem 6" descr="Diagrama&#10;&#10;Descrição gerada automaticamente">
+          <p:cNvPr id="4" name="Imagem 4" descr="Diagrama&#10;&#10;Descrição gerada automaticamente">
             <a:extLst>
               <a:ext uri="{FF2B5EF4-FFF2-40B4-BE49-F238E27FC236}">
-                <a16:creationId xmlns:a16="http://schemas.microsoft.com/office/drawing/2014/main" id="{EE0F5384-397D-4B69-9B48-F46D9DDC7161}"/>
+                <a16:creationId xmlns:a16="http://schemas.microsoft.com/office/drawing/2014/main" id="{28A6E99A-204A-4599-9C93-7EF766DDFA1F}"/>
               </a:ext>
             </a:extLst>
           </p:cNvPr>
@@ -3351,8 +3439,8 @@
         </p:blipFill>
         <p:spPr>
           <a:xfrm>
-            <a:off x="1276350" y="3739"/>
-            <a:ext cx="9639300" cy="6840997"/>
+            <a:off x="1935733" y="478960"/>
+            <a:ext cx="8316929" cy="5896701"/>
           </a:xfrm>
           <a:prstGeom prst="rect">
             <a:avLst/>
@@ -3364,7 +3452,7 @@
           <p:cNvPr id="3" name="Imagem 3" descr="Uma imagem contendo Texto&#10;&#10;Descrição gerada automaticamente">
             <a:extLst>
               <a:ext uri="{FF2B5EF4-FFF2-40B4-BE49-F238E27FC236}">
-                <a16:creationId xmlns:a16="http://schemas.microsoft.com/office/drawing/2014/main" id="{CFE057DF-C50F-4A25-862A-B5A4BD442965}"/>
+                <a16:creationId xmlns:a16="http://schemas.microsoft.com/office/drawing/2014/main" id="{558026C9-E888-4594-8595-3272844304AF}"/>
               </a:ext>
             </a:extLst>
           </p:cNvPr>
@@ -3381,133 +3469,8 @@
         </p:blipFill>
         <p:spPr>
           <a:xfrm>
-            <a:off x="4762" y="4762"/>
-            <a:ext cx="5019675" cy="904875"/>
-          </a:xfrm>
-          <a:prstGeom prst="rect">
-            <a:avLst/>
-          </a:prstGeom>
-        </p:spPr>
-      </p:pic>
-    </p:spTree>
-    <p:extLst>
-      <p:ext uri="{BB962C8B-B14F-4D97-AF65-F5344CB8AC3E}">
-        <p14:creationId xmlns:p14="http://schemas.microsoft.com/office/powerpoint/2010/main" val="552348893"/>
-      </p:ext>
-    </p:extLst>
-  </p:cSld>
-  <p:clrMapOvr>
-    <a:masterClrMapping/>
-  </p:clrMapOvr>
-</p:sld>
-</file>
-
-<file path=ppt/slides/slide2.xml><?xml version="1.0" encoding="utf-8"?>
-<p:sld xmlns:a="http://schemas.openxmlformats.org/drawingml/2006/main" xmlns:r="http://schemas.openxmlformats.org/officeDocument/2006/relationships" xmlns:p="http://schemas.openxmlformats.org/presentationml/2006/main">
-  <p:cSld>
-    <p:spTree>
-      <p:nvGrpSpPr>
-        <p:cNvPr id="1" name=""/>
-        <p:cNvGrpSpPr/>
-        <p:nvPr/>
-      </p:nvGrpSpPr>
-      <p:grpSpPr>
-        <a:xfrm>
-          <a:off x="0" y="0"/>
-          <a:ext cx="0" cy="0"/>
-          <a:chOff x="0" y="0"/>
-          <a:chExt cx="0" cy="0"/>
-        </a:xfrm>
-      </p:grpSpPr>
-      <p:pic>
-        <p:nvPicPr>
-          <p:cNvPr id="3" name="Imagem 3" descr="Uma imagem contendo Texto&#10;&#10;Descrição gerada automaticamente">
-            <a:extLst>
-              <a:ext uri="{FF2B5EF4-FFF2-40B4-BE49-F238E27FC236}">
-                <a16:creationId xmlns:a16="http://schemas.microsoft.com/office/drawing/2014/main" id="{558026C9-E888-4594-8595-3272844304AF}"/>
-              </a:ext>
-            </a:extLst>
-          </p:cNvPr>
-          <p:cNvPicPr>
-            <a:picLocks noChangeAspect="1"/>
-          </p:cNvPicPr>
-          <p:nvPr/>
-        </p:nvPicPr>
-        <p:blipFill>
-          <a:blip r:embed="rId2"/>
-          <a:stretch>
-            <a:fillRect/>
-          </a:stretch>
-        </p:blipFill>
-        <p:spPr>
-          <a:xfrm>
-            <a:off x="119062" y="4762"/>
-            <a:ext cx="3343275" cy="914400"/>
-          </a:xfrm>
-          <a:prstGeom prst="rect">
-            <a:avLst/>
-          </a:prstGeom>
-        </p:spPr>
-      </p:pic>
-      <p:sp>
-        <p:nvSpPr>
-          <p:cNvPr id="4" name="CaixaDeTexto 3">
-            <a:extLst>
-              <a:ext uri="{FF2B5EF4-FFF2-40B4-BE49-F238E27FC236}">
-                <a16:creationId xmlns:a16="http://schemas.microsoft.com/office/drawing/2014/main" id="{AE649A58-AB66-439D-8CFF-07CCE40DEA93}"/>
-              </a:ext>
-            </a:extLst>
-          </p:cNvPr>
-          <p:cNvSpPr txBox="1"/>
-          <p:nvPr/>
-        </p:nvSpPr>
-        <p:spPr>
-          <a:xfrm>
-            <a:off x="4724400" y="3200400"/>
-            <a:ext cx="2743200" cy="369332"/>
-          </a:xfrm>
-          <a:prstGeom prst="rect">
-            <a:avLst/>
-          </a:prstGeom>
-          <a:noFill/>
-        </p:spPr>
-        <p:txBody>
-          <a:bodyPr rot="0" spcFirstLastPara="0" vertOverflow="overflow" horzOverflow="overflow" vert="horz" wrap="square" lIns="91440" tIns="45720" rIns="91440" bIns="45720" numCol="1" spcCol="0" rtlCol="0" fromWordArt="0" anchor="t" anchorCtr="0" forceAA="0" compatLnSpc="1">
-            <a:prstTxWarp prst="textNoShape">
-              <a:avLst/>
-            </a:prstTxWarp>
-            <a:spAutoFit/>
-          </a:bodyPr>
-          <a:lstStyle/>
-          <a:p>
-            <a:endParaRPr lang="pt-BR"/>
-          </a:p>
-        </p:txBody>
-      </p:sp>
-      <p:pic>
-        <p:nvPicPr>
-          <p:cNvPr id="5" name="Imagem 5" descr="Diagrama&#10;&#10;Descrição gerada automaticamente">
-            <a:extLst>
-              <a:ext uri="{FF2B5EF4-FFF2-40B4-BE49-F238E27FC236}">
-                <a16:creationId xmlns:a16="http://schemas.microsoft.com/office/drawing/2014/main" id="{FAA4417C-5842-40A1-9F54-A4EEFD85A2CD}"/>
-              </a:ext>
-            </a:extLst>
-          </p:cNvPr>
-          <p:cNvPicPr>
-            <a:picLocks noChangeAspect="1"/>
-          </p:cNvPicPr>
-          <p:nvPr/>
-        </p:nvPicPr>
-        <p:blipFill>
-          <a:blip r:embed="rId3"/>
-          <a:stretch>
-            <a:fillRect/>
-          </a:stretch>
-        </p:blipFill>
-        <p:spPr>
-          <a:xfrm>
-            <a:off x="4105275" y="242781"/>
-            <a:ext cx="5953125" cy="6362914"/>
+            <a:off x="48878" y="4762"/>
+            <a:ext cx="2821907" cy="774032"/>
           </a:xfrm>
           <a:prstGeom prst="rect">
             <a:avLst/>

--- a/21. Análise do Ciclo de Vida.pptx
+++ b/21. Análise do Ciclo de Vida.pptx
@@ -5,7 +5,9 @@
     <p:sldMasterId id="2147483648" r:id="rId1"/>
   </p:sldMasterIdLst>
   <p:sldIdLst>
-    <p:sldId id="258" r:id="rId2"/>
+    <p:sldId id="259" r:id="rId2"/>
+    <p:sldId id="260" r:id="rId3"/>
+    <p:sldId id="258" r:id="rId4"/>
   </p:sldIdLst>
   <p:sldSz cx="12192000" cy="6858000"/>
   <p:notesSz cx="6858000" cy="9144000"/>
@@ -118,9 +120,11 @@
     <p1510:client id="{0F28DA8C-1D66-4275-8E49-F7FD2F3EA5CB}" v="52" dt="2020-10-21T22:25:59.456"/>
     <p1510:client id="{143B1FCA-816D-4565-931B-17C389BF4B48}" v="17" dt="2020-10-22T02:31:38.001"/>
     <p1510:client id="{1A0ABC27-9F26-4AAB-B581-DB14B80DDF1F}" v="13" dt="2020-11-12T00:17:56.711"/>
+    <p1510:client id="{2B737206-2778-4058-9DBF-37DC828C8FBB}" v="42" dt="2020-11-20T00:50:15.734"/>
     <p1510:client id="{367E0290-2CB2-4F52-935A-492CC6550918}" v="26" dt="2020-10-17T05:00:25.750"/>
     <p1510:client id="{462CE6F6-E7DC-4A24-BEC3-1D8A42833910}" v="1" dt="2020-10-17T02:32:12.872"/>
     <p1510:client id="{8C08EB73-0F10-4FE9-BE2F-A3A37427731F}" v="17" dt="2020-11-07T05:57:36.064"/>
+    <p1510:client id="{A98AA7DD-F272-4C98-9E2B-01DEFC81B250}" v="3" dt="2020-11-20T00:55:27.115"/>
     <p1510:client id="{BDE5C0EC-ABA4-4EA5-9509-877FD89AA14E}" v="1" dt="2020-10-15T00:02:51.316"/>
     <p1510:client id="{F322518D-1650-479D-8304-16B53318AAC2}" v="18" dt="2020-09-26T14:16:18.704"/>
   </p1510:revLst>
@@ -233,135 +237,102 @@
     </pc:docChg>
   </pc:docChgLst>
   <pc:docChgLst>
-    <pc:chgData name="Eduardo Marques" userId="b9dd18581288d1e4" providerId="Windows Live" clId="Web-{0F28DA8C-1D66-4275-8E49-F7FD2F3EA5CB}"/>
-    <pc:docChg chg="modSld">
-      <pc:chgData name="Eduardo Marques" userId="b9dd18581288d1e4" providerId="Windows Live" clId="Web-{0F28DA8C-1D66-4275-8E49-F7FD2F3EA5CB}" dt="2020-10-21T22:25:59.456" v="46" actId="1076"/>
+    <pc:chgData name="Eduardo Marques" userId="b9dd18581288d1e4" providerId="Windows Live" clId="Web-{2B737206-2778-4058-9DBF-37DC828C8FBB}"/>
+    <pc:docChg chg="addSld modSld sldOrd">
+      <pc:chgData name="Eduardo Marques" userId="b9dd18581288d1e4" providerId="Windows Live" clId="Web-{2B737206-2778-4058-9DBF-37DC828C8FBB}" dt="2020-11-20T00:50:15.734" v="37"/>
       <pc:docMkLst>
         <pc:docMk/>
       </pc:docMkLst>
-      <pc:sldChg chg="addSp delSp modSp">
-        <pc:chgData name="Eduardo Marques" userId="b9dd18581288d1e4" providerId="Windows Live" clId="Web-{0F28DA8C-1D66-4275-8E49-F7FD2F3EA5CB}" dt="2020-10-21T22:23:11.257" v="20" actId="1076"/>
-        <pc:sldMkLst>
-          <pc:docMk/>
-          <pc:sldMk cId="552348893" sldId="257"/>
-        </pc:sldMkLst>
-        <pc:spChg chg="add del mod">
-          <ac:chgData name="Eduardo Marques" userId="b9dd18581288d1e4" providerId="Windows Live" clId="Web-{0F28DA8C-1D66-4275-8E49-F7FD2F3EA5CB}" dt="2020-10-21T22:22:36.396" v="12"/>
-          <ac:spMkLst>
-            <pc:docMk/>
-            <pc:sldMk cId="552348893" sldId="257"/>
-            <ac:spMk id="4" creationId="{3F9C4278-B164-4E83-B780-B1700CB9CE0A}"/>
-          </ac:spMkLst>
-        </pc:spChg>
-        <pc:picChg chg="add del mod">
-          <ac:chgData name="Eduardo Marques" userId="b9dd18581288d1e4" providerId="Windows Live" clId="Web-{0F28DA8C-1D66-4275-8E49-F7FD2F3EA5CB}" dt="2020-10-21T22:22:32.942" v="11"/>
-          <ac:picMkLst>
-            <pc:docMk/>
-            <pc:sldMk cId="552348893" sldId="257"/>
-            <ac:picMk id="2" creationId="{F06CA3CD-A05E-41C0-8E56-767FDAC065CF}"/>
-          </ac:picMkLst>
-        </pc:picChg>
-        <pc:picChg chg="add mod">
-          <ac:chgData name="Eduardo Marques" userId="b9dd18581288d1e4" providerId="Windows Live" clId="Web-{0F28DA8C-1D66-4275-8E49-F7FD2F3EA5CB}" dt="2020-10-21T22:23:11.257" v="20" actId="1076"/>
-          <ac:picMkLst>
-            <pc:docMk/>
-            <pc:sldMk cId="552348893" sldId="257"/>
-            <ac:picMk id="3" creationId="{CFE057DF-C50F-4A25-862A-B5A4BD442965}"/>
-          </ac:picMkLst>
-        </pc:picChg>
-        <pc:picChg chg="del">
-          <ac:chgData name="Eduardo Marques" userId="b9dd18581288d1e4" providerId="Windows Live" clId="Web-{0F28DA8C-1D66-4275-8E49-F7FD2F3EA5CB}" dt="2020-10-21T22:19:41.931" v="0"/>
-          <ac:picMkLst>
-            <pc:docMk/>
-            <pc:sldMk cId="552348893" sldId="257"/>
-            <ac:picMk id="5" creationId="{E49626C4-F2E8-4649-BA9E-A5857D73F8A7}"/>
-          </ac:picMkLst>
-        </pc:picChg>
-        <pc:picChg chg="add mod ord">
-          <ac:chgData name="Eduardo Marques" userId="b9dd18581288d1e4" providerId="Windows Live" clId="Web-{0F28DA8C-1D66-4275-8E49-F7FD2F3EA5CB}" dt="2020-10-21T22:23:06.444" v="19"/>
-          <ac:picMkLst>
-            <pc:docMk/>
-            <pc:sldMk cId="552348893" sldId="257"/>
-            <ac:picMk id="6" creationId="{EE0F5384-397D-4B69-9B48-F46D9DDC7161}"/>
-          </ac:picMkLst>
-        </pc:picChg>
-      </pc:sldChg>
-      <pc:sldChg chg="addSp delSp modSp">
-        <pc:chgData name="Eduardo Marques" userId="b9dd18581288d1e4" providerId="Windows Live" clId="Web-{0F28DA8C-1D66-4275-8E49-F7FD2F3EA5CB}" dt="2020-10-21T22:25:59.456" v="46" actId="1076"/>
+      <pc:sldChg chg="ord">
+        <pc:chgData name="Eduardo Marques" userId="b9dd18581288d1e4" providerId="Windows Live" clId="Web-{2B737206-2778-4058-9DBF-37DC828C8FBB}" dt="2020-11-19T23:27:33.998" v="15"/>
         <pc:sldMkLst>
           <pc:docMk/>
           <pc:sldMk cId="3064581932" sldId="258"/>
         </pc:sldMkLst>
-        <pc:spChg chg="add mod">
-          <ac:chgData name="Eduardo Marques" userId="b9dd18581288d1e4" providerId="Windows Live" clId="Web-{0F28DA8C-1D66-4275-8E49-F7FD2F3EA5CB}" dt="2020-10-21T22:24:21.434" v="23"/>
+      </pc:sldChg>
+      <pc:sldChg chg="addSp delSp modSp new">
+        <pc:chgData name="Eduardo Marques" userId="b9dd18581288d1e4" providerId="Windows Live" clId="Web-{2B737206-2778-4058-9DBF-37DC828C8FBB}" dt="2020-11-19T23:22:40.898" v="11" actId="14100"/>
+        <pc:sldMkLst>
+          <pc:docMk/>
+          <pc:sldMk cId="3937762509" sldId="259"/>
+        </pc:sldMkLst>
+        <pc:spChg chg="del">
+          <ac:chgData name="Eduardo Marques" userId="b9dd18581288d1e4" providerId="Windows Live" clId="Web-{2B737206-2778-4058-9DBF-37DC828C8FBB}" dt="2020-11-19T23:22:15.225" v="1"/>
           <ac:spMkLst>
             <pc:docMk/>
-            <pc:sldMk cId="3064581932" sldId="258"/>
-            <ac:spMk id="4" creationId="{AE649A58-AB66-439D-8CFF-07CCE40DEA93}"/>
+            <pc:sldMk cId="3937762509" sldId="259"/>
+            <ac:spMk id="2" creationId="{166F9E55-0C42-4F2F-9DCC-0BE0690DA194}"/>
+          </ac:spMkLst>
+        </pc:spChg>
+        <pc:spChg chg="del">
+          <ac:chgData name="Eduardo Marques" userId="b9dd18581288d1e4" providerId="Windows Live" clId="Web-{2B737206-2778-4058-9DBF-37DC828C8FBB}" dt="2020-11-19T23:22:16.756" v="2"/>
+          <ac:spMkLst>
+            <pc:docMk/>
+            <pc:sldMk cId="3937762509" sldId="259"/>
+            <ac:spMk id="3" creationId="{BA84A324-E1D1-4755-89B3-3AEEC529137E}"/>
+          </ac:spMkLst>
+        </pc:spChg>
+        <pc:picChg chg="add mod">
+          <ac:chgData name="Eduardo Marques" userId="b9dd18581288d1e4" providerId="Windows Live" clId="Web-{2B737206-2778-4058-9DBF-37DC828C8FBB}" dt="2020-11-19T23:22:40.898" v="11" actId="14100"/>
+          <ac:picMkLst>
+            <pc:docMk/>
+            <pc:sldMk cId="3937762509" sldId="259"/>
+            <ac:picMk id="4" creationId="{6F074E4A-2C07-4E95-B01A-850A196F0968}"/>
+          </ac:picMkLst>
+        </pc:picChg>
+      </pc:sldChg>
+      <pc:sldChg chg="addSp delSp modSp new ord">
+        <pc:chgData name="Eduardo Marques" userId="b9dd18581288d1e4" providerId="Windows Live" clId="Web-{2B737206-2778-4058-9DBF-37DC828C8FBB}" dt="2020-11-20T00:50:15.734" v="37"/>
+        <pc:sldMkLst>
+          <pc:docMk/>
+          <pc:sldMk cId="3925282507" sldId="260"/>
+        </pc:sldMkLst>
+        <pc:spChg chg="del">
+          <ac:chgData name="Eduardo Marques" userId="b9dd18581288d1e4" providerId="Windows Live" clId="Web-{2B737206-2778-4058-9DBF-37DC828C8FBB}" dt="2020-11-19T23:24:03.962" v="13"/>
+          <ac:spMkLst>
+            <pc:docMk/>
+            <pc:sldMk cId="3925282507" sldId="260"/>
+            <ac:spMk id="2" creationId="{C453561C-38DE-4CFD-9FEA-BBD08F94DEB7}"/>
+          </ac:spMkLst>
+        </pc:spChg>
+        <pc:spChg chg="del">
+          <ac:chgData name="Eduardo Marques" userId="b9dd18581288d1e4" providerId="Windows Live" clId="Web-{2B737206-2778-4058-9DBF-37DC828C8FBB}" dt="2020-11-19T23:24:05.275" v="14"/>
+          <ac:spMkLst>
+            <pc:docMk/>
+            <pc:sldMk cId="3925282507" sldId="260"/>
+            <ac:spMk id="3" creationId="{6779D799-EAAD-4318-800E-4E77CB4C3358}"/>
           </ac:spMkLst>
         </pc:spChg>
         <pc:spChg chg="add del mod">
-          <ac:chgData name="Eduardo Marques" userId="b9dd18581288d1e4" providerId="Windows Live" clId="Web-{0F28DA8C-1D66-4275-8E49-F7FD2F3EA5CB}" dt="2020-10-21T22:25:30.844" v="39"/>
+          <ac:chgData name="Eduardo Marques" userId="b9dd18581288d1e4" providerId="Windows Live" clId="Web-{2B737206-2778-4058-9DBF-37DC828C8FBB}" dt="2020-11-20T00:47:38.433" v="20"/>
           <ac:spMkLst>
             <pc:docMk/>
-            <pc:sldMk cId="3064581932" sldId="258"/>
-            <ac:spMk id="6" creationId="{42D64CEC-D804-45A9-AD6D-F00F7562185C}"/>
+            <pc:sldMk cId="3925282507" sldId="260"/>
+            <ac:spMk id="4" creationId="{AA599A00-CF2A-45F9-9A73-0153A2590F6C}"/>
           </ac:spMkLst>
         </pc:spChg>
-        <pc:picChg chg="mod">
-          <ac:chgData name="Eduardo Marques" userId="b9dd18581288d1e4" providerId="Windows Live" clId="Web-{0F28DA8C-1D66-4275-8E49-F7FD2F3EA5CB}" dt="2020-10-21T22:25:59.456" v="46" actId="1076"/>
+        <pc:picChg chg="add mod">
+          <ac:chgData name="Eduardo Marques" userId="b9dd18581288d1e4" providerId="Windows Live" clId="Web-{2B737206-2778-4058-9DBF-37DC828C8FBB}" dt="2020-11-20T00:48:40.435" v="35" actId="1076"/>
           <ac:picMkLst>
             <pc:docMk/>
-            <pc:sldMk cId="3064581932" sldId="258"/>
-            <ac:picMk id="2" creationId="{A1DAE368-CBF4-406C-87F4-7E122D882023}"/>
+            <pc:sldMk cId="3925282507" sldId="260"/>
+            <ac:picMk id="2" creationId="{A6FDA205-8023-4BF5-97AD-4397941D90BC}"/>
+          </ac:picMkLst>
+        </pc:picChg>
+        <pc:picChg chg="add del mod">
+          <ac:chgData name="Eduardo Marques" userId="b9dd18581288d1e4" providerId="Windows Live" clId="Web-{2B737206-2778-4058-9DBF-37DC828C8FBB}" dt="2020-11-20T00:48:08.294" v="30"/>
+          <ac:picMkLst>
+            <pc:docMk/>
+            <pc:sldMk cId="3925282507" sldId="260"/>
+            <ac:picMk id="3" creationId="{18C1B240-3D6C-49C1-8F7F-0A44084B5855}"/>
           </ac:picMkLst>
         </pc:picChg>
         <pc:picChg chg="add mod">
-          <ac:chgData name="Eduardo Marques" userId="b9dd18581288d1e4" providerId="Windows Live" clId="Web-{0F28DA8C-1D66-4275-8E49-F7FD2F3EA5CB}" dt="2020-10-21T22:25:52.158" v="45" actId="1076"/>
+          <ac:chgData name="Eduardo Marques" userId="b9dd18581288d1e4" providerId="Windows Live" clId="Web-{2B737206-2778-4058-9DBF-37DC828C8FBB}" dt="2020-11-20T00:48:56.029" v="36" actId="1076"/>
           <ac:picMkLst>
             <pc:docMk/>
-            <pc:sldMk cId="3064581932" sldId="258"/>
-            <ac:picMk id="3" creationId="{558026C9-E888-4594-8595-3272844304AF}"/>
-          </ac:picMkLst>
-        </pc:picChg>
-        <pc:picChg chg="add del mod">
-          <ac:chgData name="Eduardo Marques" userId="b9dd18581288d1e4" providerId="Windows Live" clId="Web-{0F28DA8C-1D66-4275-8E49-F7FD2F3EA5CB}" dt="2020-10-21T22:25:30.844" v="40"/>
-          <ac:picMkLst>
-            <pc:docMk/>
-            <pc:sldMk cId="3064581932" sldId="258"/>
-            <ac:picMk id="5" creationId="{2C660BDC-F33D-49E4-A79F-FF8BDEE1F27F}"/>
-          </ac:picMkLst>
-        </pc:picChg>
-      </pc:sldChg>
-    </pc:docChg>
-  </pc:docChgLst>
-  <pc:docChgLst>
-    <pc:chgData name="Eduardo Marques" userId="b9dd18581288d1e4" providerId="Windows Live" clId="Web-{143B1FCA-816D-4565-931B-17C389BF4B48}"/>
-    <pc:docChg chg="modSld">
-      <pc:chgData name="Eduardo Marques" userId="b9dd18581288d1e4" providerId="Windows Live" clId="Web-{143B1FCA-816D-4565-931B-17C389BF4B48}" dt="2020-10-22T02:31:38.001" v="15" actId="1076"/>
-      <pc:docMkLst>
-        <pc:docMk/>
-      </pc:docMkLst>
-      <pc:sldChg chg="addSp delSp modSp">
-        <pc:chgData name="Eduardo Marques" userId="b9dd18581288d1e4" providerId="Windows Live" clId="Web-{143B1FCA-816D-4565-931B-17C389BF4B48}" dt="2020-10-22T02:31:38.001" v="15" actId="1076"/>
-        <pc:sldMkLst>
-          <pc:docMk/>
-          <pc:sldMk cId="3064581932" sldId="258"/>
-        </pc:sldMkLst>
-        <pc:picChg chg="del">
-          <ac:chgData name="Eduardo Marques" userId="b9dd18581288d1e4" providerId="Windows Live" clId="Web-{143B1FCA-816D-4565-931B-17C389BF4B48}" dt="2020-10-22T02:30:09.714" v="0"/>
-          <ac:picMkLst>
-            <pc:docMk/>
-            <pc:sldMk cId="3064581932" sldId="258"/>
-            <ac:picMk id="2" creationId="{A1DAE368-CBF4-406C-87F4-7E122D882023}"/>
-          </ac:picMkLst>
-        </pc:picChg>
-        <pc:picChg chg="add mod">
-          <ac:chgData name="Eduardo Marques" userId="b9dd18581288d1e4" providerId="Windows Live" clId="Web-{143B1FCA-816D-4565-931B-17C389BF4B48}" dt="2020-10-22T02:31:38.001" v="15" actId="1076"/>
-          <ac:picMkLst>
-            <pc:docMk/>
-            <pc:sldMk cId="3064581932" sldId="258"/>
-            <ac:picMk id="5" creationId="{FAA4417C-5842-40A1-9F54-A4EEFD85A2CD}"/>
+            <pc:sldMk cId="3925282507" sldId="260"/>
+            <ac:picMk id="5" creationId="{3E28D42F-F4D6-4A01-BA32-C0CEB3F3E2B2}"/>
           </ac:picMkLst>
         </pc:picChg>
       </pc:sldChg>
@@ -409,6 +380,165 @@
             <pc:docMk/>
             <pc:sldMk cId="552348893" sldId="257"/>
             <ac:picMk id="4" creationId="{6779E6A4-95E7-449F-AF6F-C97CB42D5C15}"/>
+          </ac:picMkLst>
+        </pc:picChg>
+      </pc:sldChg>
+    </pc:docChg>
+  </pc:docChgLst>
+  <pc:docChgLst>
+    <pc:chgData name="Eduardo Marques" userId="b9dd18581288d1e4" providerId="Windows Live" clId="Web-{143B1FCA-816D-4565-931B-17C389BF4B48}"/>
+    <pc:docChg chg="modSld">
+      <pc:chgData name="Eduardo Marques" userId="b9dd18581288d1e4" providerId="Windows Live" clId="Web-{143B1FCA-816D-4565-931B-17C389BF4B48}" dt="2020-10-22T02:31:38.001" v="15" actId="1076"/>
+      <pc:docMkLst>
+        <pc:docMk/>
+      </pc:docMkLst>
+      <pc:sldChg chg="addSp delSp modSp">
+        <pc:chgData name="Eduardo Marques" userId="b9dd18581288d1e4" providerId="Windows Live" clId="Web-{143B1FCA-816D-4565-931B-17C389BF4B48}" dt="2020-10-22T02:31:38.001" v="15" actId="1076"/>
+        <pc:sldMkLst>
+          <pc:docMk/>
+          <pc:sldMk cId="3064581932" sldId="258"/>
+        </pc:sldMkLst>
+        <pc:picChg chg="del">
+          <ac:chgData name="Eduardo Marques" userId="b9dd18581288d1e4" providerId="Windows Live" clId="Web-{143B1FCA-816D-4565-931B-17C389BF4B48}" dt="2020-10-22T02:30:09.714" v="0"/>
+          <ac:picMkLst>
+            <pc:docMk/>
+            <pc:sldMk cId="3064581932" sldId="258"/>
+            <ac:picMk id="2" creationId="{A1DAE368-CBF4-406C-87F4-7E122D882023}"/>
+          </ac:picMkLst>
+        </pc:picChg>
+        <pc:picChg chg="add mod">
+          <ac:chgData name="Eduardo Marques" userId="b9dd18581288d1e4" providerId="Windows Live" clId="Web-{143B1FCA-816D-4565-931B-17C389BF4B48}" dt="2020-10-22T02:31:38.001" v="15" actId="1076"/>
+          <ac:picMkLst>
+            <pc:docMk/>
+            <pc:sldMk cId="3064581932" sldId="258"/>
+            <ac:picMk id="5" creationId="{FAA4417C-5842-40A1-9F54-A4EEFD85A2CD}"/>
+          </ac:picMkLst>
+        </pc:picChg>
+      </pc:sldChg>
+    </pc:docChg>
+  </pc:docChgLst>
+  <pc:docChgLst>
+    <pc:chgData name="Eduardo Marques" userId="b9dd18581288d1e4" providerId="Windows Live" clId="Web-{0F28DA8C-1D66-4275-8E49-F7FD2F3EA5CB}"/>
+    <pc:docChg chg="modSld">
+      <pc:chgData name="Eduardo Marques" userId="b9dd18581288d1e4" providerId="Windows Live" clId="Web-{0F28DA8C-1D66-4275-8E49-F7FD2F3EA5CB}" dt="2020-10-21T22:25:59.456" v="46" actId="1076"/>
+      <pc:docMkLst>
+        <pc:docMk/>
+      </pc:docMkLst>
+      <pc:sldChg chg="addSp delSp modSp">
+        <pc:chgData name="Eduardo Marques" userId="b9dd18581288d1e4" providerId="Windows Live" clId="Web-{0F28DA8C-1D66-4275-8E49-F7FD2F3EA5CB}" dt="2020-10-21T22:23:11.257" v="20" actId="1076"/>
+        <pc:sldMkLst>
+          <pc:docMk/>
+          <pc:sldMk cId="552348893" sldId="257"/>
+        </pc:sldMkLst>
+        <pc:spChg chg="add del mod">
+          <ac:chgData name="Eduardo Marques" userId="b9dd18581288d1e4" providerId="Windows Live" clId="Web-{0F28DA8C-1D66-4275-8E49-F7FD2F3EA5CB}" dt="2020-10-21T22:22:36.396" v="12"/>
+          <ac:spMkLst>
+            <pc:docMk/>
+            <pc:sldMk cId="552348893" sldId="257"/>
+            <ac:spMk id="4" creationId="{3F9C4278-B164-4E83-B780-B1700CB9CE0A}"/>
+          </ac:spMkLst>
+        </pc:spChg>
+        <pc:picChg chg="add del mod">
+          <ac:chgData name="Eduardo Marques" userId="b9dd18581288d1e4" providerId="Windows Live" clId="Web-{0F28DA8C-1D66-4275-8E49-F7FD2F3EA5CB}" dt="2020-10-21T22:22:32.942" v="11"/>
+          <ac:picMkLst>
+            <pc:docMk/>
+            <pc:sldMk cId="552348893" sldId="257"/>
+            <ac:picMk id="2" creationId="{F06CA3CD-A05E-41C0-8E56-767FDAC065CF}"/>
+          </ac:picMkLst>
+        </pc:picChg>
+        <pc:picChg chg="add mod">
+          <ac:chgData name="Eduardo Marques" userId="b9dd18581288d1e4" providerId="Windows Live" clId="Web-{0F28DA8C-1D66-4275-8E49-F7FD2F3EA5CB}" dt="2020-10-21T22:23:11.257" v="20" actId="1076"/>
+          <ac:picMkLst>
+            <pc:docMk/>
+            <pc:sldMk cId="552348893" sldId="257"/>
+            <ac:picMk id="3" creationId="{CFE057DF-C50F-4A25-862A-B5A4BD442965}"/>
+          </ac:picMkLst>
+        </pc:picChg>
+        <pc:picChg chg="del">
+          <ac:chgData name="Eduardo Marques" userId="b9dd18581288d1e4" providerId="Windows Live" clId="Web-{0F28DA8C-1D66-4275-8E49-F7FD2F3EA5CB}" dt="2020-10-21T22:19:41.931" v="0"/>
+          <ac:picMkLst>
+            <pc:docMk/>
+            <pc:sldMk cId="552348893" sldId="257"/>
+            <ac:picMk id="5" creationId="{E49626C4-F2E8-4649-BA9E-A5857D73F8A7}"/>
+          </ac:picMkLst>
+        </pc:picChg>
+        <pc:picChg chg="add mod ord">
+          <ac:chgData name="Eduardo Marques" userId="b9dd18581288d1e4" providerId="Windows Live" clId="Web-{0F28DA8C-1D66-4275-8E49-F7FD2F3EA5CB}" dt="2020-10-21T22:23:06.444" v="19"/>
+          <ac:picMkLst>
+            <pc:docMk/>
+            <pc:sldMk cId="552348893" sldId="257"/>
+            <ac:picMk id="6" creationId="{EE0F5384-397D-4B69-9B48-F46D9DDC7161}"/>
+          </ac:picMkLst>
+        </pc:picChg>
+      </pc:sldChg>
+      <pc:sldChg chg="addSp delSp modSp">
+        <pc:chgData name="Eduardo Marques" userId="b9dd18581288d1e4" providerId="Windows Live" clId="Web-{0F28DA8C-1D66-4275-8E49-F7FD2F3EA5CB}" dt="2020-10-21T22:25:59.456" v="46" actId="1076"/>
+        <pc:sldMkLst>
+          <pc:docMk/>
+          <pc:sldMk cId="3064581932" sldId="258"/>
+        </pc:sldMkLst>
+        <pc:spChg chg="add mod">
+          <ac:chgData name="Eduardo Marques" userId="b9dd18581288d1e4" providerId="Windows Live" clId="Web-{0F28DA8C-1D66-4275-8E49-F7FD2F3EA5CB}" dt="2020-10-21T22:24:21.434" v="23"/>
+          <ac:spMkLst>
+            <pc:docMk/>
+            <pc:sldMk cId="3064581932" sldId="258"/>
+            <ac:spMk id="4" creationId="{AE649A58-AB66-439D-8CFF-07CCE40DEA93}"/>
+          </ac:spMkLst>
+        </pc:spChg>
+        <pc:spChg chg="add del mod">
+          <ac:chgData name="Eduardo Marques" userId="b9dd18581288d1e4" providerId="Windows Live" clId="Web-{0F28DA8C-1D66-4275-8E49-F7FD2F3EA5CB}" dt="2020-10-21T22:25:30.844" v="39"/>
+          <ac:spMkLst>
+            <pc:docMk/>
+            <pc:sldMk cId="3064581932" sldId="258"/>
+            <ac:spMk id="6" creationId="{42D64CEC-D804-45A9-AD6D-F00F7562185C}"/>
+          </ac:spMkLst>
+        </pc:spChg>
+        <pc:picChg chg="mod">
+          <ac:chgData name="Eduardo Marques" userId="b9dd18581288d1e4" providerId="Windows Live" clId="Web-{0F28DA8C-1D66-4275-8E49-F7FD2F3EA5CB}" dt="2020-10-21T22:25:59.456" v="46" actId="1076"/>
+          <ac:picMkLst>
+            <pc:docMk/>
+            <pc:sldMk cId="3064581932" sldId="258"/>
+            <ac:picMk id="2" creationId="{A1DAE368-CBF4-406C-87F4-7E122D882023}"/>
+          </ac:picMkLst>
+        </pc:picChg>
+        <pc:picChg chg="add mod">
+          <ac:chgData name="Eduardo Marques" userId="b9dd18581288d1e4" providerId="Windows Live" clId="Web-{0F28DA8C-1D66-4275-8E49-F7FD2F3EA5CB}" dt="2020-10-21T22:25:52.158" v="45" actId="1076"/>
+          <ac:picMkLst>
+            <pc:docMk/>
+            <pc:sldMk cId="3064581932" sldId="258"/>
+            <ac:picMk id="3" creationId="{558026C9-E888-4594-8595-3272844304AF}"/>
+          </ac:picMkLst>
+        </pc:picChg>
+        <pc:picChg chg="add del mod">
+          <ac:chgData name="Eduardo Marques" userId="b9dd18581288d1e4" providerId="Windows Live" clId="Web-{0F28DA8C-1D66-4275-8E49-F7FD2F3EA5CB}" dt="2020-10-21T22:25:30.844" v="40"/>
+          <ac:picMkLst>
+            <pc:docMk/>
+            <pc:sldMk cId="3064581932" sldId="258"/>
+            <ac:picMk id="5" creationId="{2C660BDC-F33D-49E4-A79F-FF8BDEE1F27F}"/>
+          </ac:picMkLst>
+        </pc:picChg>
+      </pc:sldChg>
+    </pc:docChg>
+  </pc:docChgLst>
+  <pc:docChgLst>
+    <pc:chgData name="Eduardo Marques" userId="b9dd18581288d1e4" providerId="Windows Live" clId="Web-{A98AA7DD-F272-4C98-9E2B-01DEFC81B250}"/>
+    <pc:docChg chg="modSld">
+      <pc:chgData name="Eduardo Marques" userId="b9dd18581288d1e4" providerId="Windows Live" clId="Web-{A98AA7DD-F272-4C98-9E2B-01DEFC81B250}" dt="2020-11-20T00:55:27.115" v="2" actId="14100"/>
+      <pc:docMkLst>
+        <pc:docMk/>
+      </pc:docMkLst>
+      <pc:sldChg chg="modSp">
+        <pc:chgData name="Eduardo Marques" userId="b9dd18581288d1e4" providerId="Windows Live" clId="Web-{A98AA7DD-F272-4C98-9E2B-01DEFC81B250}" dt="2020-11-20T00:55:27.115" v="2" actId="14100"/>
+        <pc:sldMkLst>
+          <pc:docMk/>
+          <pc:sldMk cId="3925282507" sldId="260"/>
+        </pc:sldMkLst>
+        <pc:picChg chg="mod">
+          <ac:chgData name="Eduardo Marques" userId="b9dd18581288d1e4" providerId="Windows Live" clId="Web-{A98AA7DD-F272-4C98-9E2B-01DEFC81B250}" dt="2020-11-20T00:55:27.115" v="2" actId="14100"/>
+          <ac:picMkLst>
+            <pc:docMk/>
+            <pc:sldMk cId="3925282507" sldId="260"/>
+            <ac:picMk id="2" creationId="{A6FDA205-8023-4BF5-97AD-4397941D90BC}"/>
           </ac:picMkLst>
         </pc:picChg>
       </pc:sldChg>
@@ -691,7 +821,7 @@
           <a:p>
             <a:fld id="{F0E51C7C-CEA3-4CAA-BE4B-344879E7C377}" type="datetimeFigureOut">
               <a:rPr lang="de-DE" smtClean="0"/>
-              <a:t>11.11.2020</a:t>
+              <a:t>19.11.2020</a:t>
             </a:fld>
             <a:endParaRPr lang="de-DE"/>
           </a:p>
@@ -861,7 +991,7 @@
           <a:p>
             <a:fld id="{F0E51C7C-CEA3-4CAA-BE4B-344879E7C377}" type="datetimeFigureOut">
               <a:rPr lang="de-DE" smtClean="0"/>
-              <a:t>11.11.2020</a:t>
+              <a:t>19.11.2020</a:t>
             </a:fld>
             <a:endParaRPr lang="de-DE"/>
           </a:p>
@@ -1041,7 +1171,7 @@
           <a:p>
             <a:fld id="{F0E51C7C-CEA3-4CAA-BE4B-344879E7C377}" type="datetimeFigureOut">
               <a:rPr lang="de-DE" smtClean="0"/>
-              <a:t>11.11.2020</a:t>
+              <a:t>19.11.2020</a:t>
             </a:fld>
             <a:endParaRPr lang="de-DE"/>
           </a:p>
@@ -1211,7 +1341,7 @@
           <a:p>
             <a:fld id="{F0E51C7C-CEA3-4CAA-BE4B-344879E7C377}" type="datetimeFigureOut">
               <a:rPr lang="de-DE" smtClean="0"/>
-              <a:t>11.11.2020</a:t>
+              <a:t>19.11.2020</a:t>
             </a:fld>
             <a:endParaRPr lang="de-DE"/>
           </a:p>
@@ -1457,7 +1587,7 @@
           <a:p>
             <a:fld id="{F0E51C7C-CEA3-4CAA-BE4B-344879E7C377}" type="datetimeFigureOut">
               <a:rPr lang="de-DE" smtClean="0"/>
-              <a:t>11.11.2020</a:t>
+              <a:t>19.11.2020</a:t>
             </a:fld>
             <a:endParaRPr lang="de-DE"/>
           </a:p>
@@ -1689,7 +1819,7 @@
           <a:p>
             <a:fld id="{F0E51C7C-CEA3-4CAA-BE4B-344879E7C377}" type="datetimeFigureOut">
               <a:rPr lang="de-DE" smtClean="0"/>
-              <a:t>11.11.2020</a:t>
+              <a:t>19.11.2020</a:t>
             </a:fld>
             <a:endParaRPr lang="de-DE"/>
           </a:p>
@@ -2056,7 +2186,7 @@
           <a:p>
             <a:fld id="{F0E51C7C-CEA3-4CAA-BE4B-344879E7C377}" type="datetimeFigureOut">
               <a:rPr lang="de-DE" smtClean="0"/>
-              <a:t>11.11.2020</a:t>
+              <a:t>19.11.2020</a:t>
             </a:fld>
             <a:endParaRPr lang="de-DE"/>
           </a:p>
@@ -2174,7 +2304,7 @@
           <a:p>
             <a:fld id="{F0E51C7C-CEA3-4CAA-BE4B-344879E7C377}" type="datetimeFigureOut">
               <a:rPr lang="de-DE" smtClean="0"/>
-              <a:t>11.11.2020</a:t>
+              <a:t>19.11.2020</a:t>
             </a:fld>
             <a:endParaRPr lang="de-DE"/>
           </a:p>
@@ -2269,7 +2399,7 @@
           <a:p>
             <a:fld id="{F0E51C7C-CEA3-4CAA-BE4B-344879E7C377}" type="datetimeFigureOut">
               <a:rPr lang="de-DE" smtClean="0"/>
-              <a:t>11.11.2020</a:t>
+              <a:t>19.11.2020</a:t>
             </a:fld>
             <a:endParaRPr lang="de-DE"/>
           </a:p>
@@ -2546,7 +2676,7 @@
           <a:p>
             <a:fld id="{F0E51C7C-CEA3-4CAA-BE4B-344879E7C377}" type="datetimeFigureOut">
               <a:rPr lang="de-DE" smtClean="0"/>
-              <a:t>11.11.2020</a:t>
+              <a:t>19.11.2020</a:t>
             </a:fld>
             <a:endParaRPr lang="de-DE"/>
           </a:p>
@@ -2799,7 +2929,7 @@
           <a:p>
             <a:fld id="{F0E51C7C-CEA3-4CAA-BE4B-344879E7C377}" type="datetimeFigureOut">
               <a:rPr lang="de-DE" smtClean="0"/>
-              <a:t>11.11.2020</a:t>
+              <a:t>19.11.2020</a:t>
             </a:fld>
             <a:endParaRPr lang="de-DE"/>
           </a:p>
@@ -3012,7 +3142,7 @@
           <a:p>
             <a:fld id="{F0E51C7C-CEA3-4CAA-BE4B-344879E7C377}" type="datetimeFigureOut">
               <a:rPr lang="de-DE" smtClean="0"/>
-              <a:t>11.11.2020</a:t>
+              <a:t>19.11.2020</a:t>
             </a:fld>
             <a:endParaRPr lang="de-DE"/>
           </a:p>
@@ -3401,6 +3531,156 @@
 </file>
 
 <file path=ppt/slides/slide1.xml><?xml version="1.0" encoding="utf-8"?>
+<p:sld xmlns:a="http://schemas.openxmlformats.org/drawingml/2006/main" xmlns:r="http://schemas.openxmlformats.org/officeDocument/2006/relationships" xmlns:p="http://schemas.openxmlformats.org/presentationml/2006/main">
+  <p:cSld>
+    <p:spTree>
+      <p:nvGrpSpPr>
+        <p:cNvPr id="1" name=""/>
+        <p:cNvGrpSpPr/>
+        <p:nvPr/>
+      </p:nvGrpSpPr>
+      <p:grpSpPr>
+        <a:xfrm>
+          <a:off x="0" y="0"/>
+          <a:ext cx="0" cy="0"/>
+          <a:chOff x="0" y="0"/>
+          <a:chExt cx="0" cy="0"/>
+        </a:xfrm>
+      </p:grpSpPr>
+      <p:pic>
+        <p:nvPicPr>
+          <p:cNvPr id="4" name="Imagem 4" descr="Diagrama&#10;&#10;Descrição gerada automaticamente">
+            <a:extLst>
+              <a:ext uri="{FF2B5EF4-FFF2-40B4-BE49-F238E27FC236}">
+                <a16:creationId xmlns:a16="http://schemas.microsoft.com/office/drawing/2014/main" id="{6F074E4A-2C07-4E95-B01A-850A196F0968}"/>
+              </a:ext>
+            </a:extLst>
+          </p:cNvPr>
+          <p:cNvPicPr>
+            <a:picLocks noChangeAspect="1"/>
+          </p:cNvPicPr>
+          <p:nvPr/>
+        </p:nvPicPr>
+        <p:blipFill>
+          <a:blip r:embed="rId2"/>
+          <a:stretch>
+            <a:fillRect/>
+          </a:stretch>
+        </p:blipFill>
+        <p:spPr>
+          <a:xfrm>
+            <a:off x="1335507" y="200152"/>
+            <a:ext cx="9520986" cy="6457697"/>
+          </a:xfrm>
+          <a:prstGeom prst="rect">
+            <a:avLst/>
+          </a:prstGeom>
+        </p:spPr>
+      </p:pic>
+    </p:spTree>
+    <p:extLst>
+      <p:ext uri="{BB962C8B-B14F-4D97-AF65-F5344CB8AC3E}">
+        <p14:creationId xmlns:p14="http://schemas.microsoft.com/office/powerpoint/2010/main" val="3937762509"/>
+      </p:ext>
+    </p:extLst>
+  </p:cSld>
+  <p:clrMapOvr>
+    <a:masterClrMapping/>
+  </p:clrMapOvr>
+</p:sld>
+</file>
+
+<file path=ppt/slides/slide2.xml><?xml version="1.0" encoding="utf-8"?>
+<p:sld xmlns:a="http://schemas.openxmlformats.org/drawingml/2006/main" xmlns:r="http://schemas.openxmlformats.org/officeDocument/2006/relationships" xmlns:p="http://schemas.openxmlformats.org/presentationml/2006/main">
+  <p:cSld>
+    <p:spTree>
+      <p:nvGrpSpPr>
+        <p:cNvPr id="1" name=""/>
+        <p:cNvGrpSpPr/>
+        <p:nvPr/>
+      </p:nvGrpSpPr>
+      <p:grpSpPr>
+        <a:xfrm>
+          <a:off x="0" y="0"/>
+          <a:ext cx="0" cy="0"/>
+          <a:chOff x="0" y="0"/>
+          <a:chExt cx="0" cy="0"/>
+        </a:xfrm>
+      </p:grpSpPr>
+      <p:pic>
+        <p:nvPicPr>
+          <p:cNvPr id="2" name="Imagem 2" descr="Diagrama&#10;&#10;Descrição gerada automaticamente">
+            <a:extLst>
+              <a:ext uri="{FF2B5EF4-FFF2-40B4-BE49-F238E27FC236}">
+                <a16:creationId xmlns:a16="http://schemas.microsoft.com/office/drawing/2014/main" id="{A6FDA205-8023-4BF5-97AD-4397941D90BC}"/>
+              </a:ext>
+            </a:extLst>
+          </p:cNvPr>
+          <p:cNvPicPr>
+            <a:picLocks noChangeAspect="1"/>
+          </p:cNvPicPr>
+          <p:nvPr/>
+        </p:nvPicPr>
+        <p:blipFill>
+          <a:blip r:embed="rId2"/>
+          <a:stretch>
+            <a:fillRect/>
+          </a:stretch>
+        </p:blipFill>
+        <p:spPr>
+          <a:xfrm>
+            <a:off x="2588795" y="-2688"/>
+            <a:ext cx="7926242" cy="6666455"/>
+          </a:xfrm>
+          <a:prstGeom prst="rect">
+            <a:avLst/>
+          </a:prstGeom>
+        </p:spPr>
+      </p:pic>
+      <p:pic>
+        <p:nvPicPr>
+          <p:cNvPr id="5" name="Imagem 5" descr="Uma imagem contendo Texto&#10;&#10;Descrição gerada automaticamente">
+            <a:extLst>
+              <a:ext uri="{FF2B5EF4-FFF2-40B4-BE49-F238E27FC236}">
+                <a16:creationId xmlns:a16="http://schemas.microsoft.com/office/drawing/2014/main" id="{3E28D42F-F4D6-4A01-BA32-C0CEB3F3E2B2}"/>
+              </a:ext>
+            </a:extLst>
+          </p:cNvPr>
+          <p:cNvPicPr>
+            <a:picLocks noChangeAspect="1"/>
+          </p:cNvPicPr>
+          <p:nvPr/>
+        </p:nvPicPr>
+        <p:blipFill>
+          <a:blip r:embed="rId3"/>
+          <a:stretch>
+            <a:fillRect/>
+          </a:stretch>
+        </p:blipFill>
+        <p:spPr>
+          <a:xfrm>
+            <a:off x="302794" y="157642"/>
+            <a:ext cx="2743200" cy="486821"/>
+          </a:xfrm>
+          <a:prstGeom prst="rect">
+            <a:avLst/>
+          </a:prstGeom>
+        </p:spPr>
+      </p:pic>
+    </p:spTree>
+    <p:extLst>
+      <p:ext uri="{BB962C8B-B14F-4D97-AF65-F5344CB8AC3E}">
+        <p14:creationId xmlns:p14="http://schemas.microsoft.com/office/powerpoint/2010/main" val="3925282507"/>
+      </p:ext>
+    </p:extLst>
+  </p:cSld>
+  <p:clrMapOvr>
+    <a:masterClrMapping/>
+  </p:clrMapOvr>
+</p:sld>
+</file>
+
+<file path=ppt/slides/slide3.xml><?xml version="1.0" encoding="utf-8"?>
 <p:sld xmlns:a="http://schemas.openxmlformats.org/drawingml/2006/main" xmlns:r="http://schemas.openxmlformats.org/officeDocument/2006/relationships" xmlns:p="http://schemas.openxmlformats.org/presentationml/2006/main">
   <p:cSld>
     <p:spTree>
